--- a/askm8000.pptx
+++ b/askm8000.pptx
@@ -18,6 +18,8 @@
     <p:sldId id="261" r:id="rId13"/>
     <p:sldId id="262" r:id="rId14"/>
     <p:sldId id="263" r:id="rId15"/>
+    <p:sldId id="264" r:id="rId16"/>
+    <p:sldId id="265" r:id="rId17"/>
   </p:sldIdLst>
   <p:sldSz cx="12192000" cy="6858000"/>
   <p:notesSz cx="7559675" cy="10691812"/>
@@ -8193,7 +8195,7 @@
         <p:spPr>
           <a:xfrm>
             <a:off x="11498760" y="6251400"/>
-            <a:ext cx="478800" cy="456120"/>
+            <a:ext cx="478440" cy="455760"/>
           </a:xfrm>
           <a:prstGeom prst="rect">
             <a:avLst/>
@@ -8221,7 +8223,7 @@
         <p:spPr>
           <a:xfrm>
             <a:off x="9473040" y="160200"/>
-            <a:ext cx="1167840" cy="1167840"/>
+            <a:ext cx="1167480" cy="1167480"/>
           </a:xfrm>
           <a:prstGeom prst="ellipse">
             <a:avLst/>
@@ -8249,7 +8251,7 @@
         <p:spPr>
           <a:xfrm>
             <a:off x="495720" y="346320"/>
-            <a:ext cx="475560" cy="475560"/>
+            <a:ext cx="475200" cy="475200"/>
           </a:xfrm>
           <a:prstGeom prst="ellipse">
             <a:avLst/>
@@ -8276,8 +8278,8 @@
         </p:nvSpPr>
         <p:spPr>
           <a:xfrm rot="5400000">
-            <a:off x="-49680" y="972000"/>
-            <a:ext cx="730440" cy="629640"/>
+            <a:off x="-49320" y="972000"/>
+            <a:ext cx="730080" cy="629280"/>
           </a:xfrm>
           <a:prstGeom prst="triangle">
             <a:avLst>
@@ -8306,8 +8308,8 @@
         </p:nvSpPr>
         <p:spPr>
           <a:xfrm rot="16200000">
-            <a:off x="410040" y="1366200"/>
-            <a:ext cx="730440" cy="629640"/>
+            <a:off x="410040" y="1366560"/>
+            <a:ext cx="730080" cy="629280"/>
           </a:xfrm>
           <a:prstGeom prst="triangle">
             <a:avLst>
@@ -8337,8 +8339,8 @@
         </p:nvSpPr>
         <p:spPr>
           <a:xfrm rot="5400000">
-            <a:off x="1359000" y="-685800"/>
-            <a:ext cx="1012680" cy="1370520"/>
+            <a:off x="1359360" y="-685800"/>
+            <a:ext cx="1012320" cy="1370160"/>
           </a:xfrm>
           <a:prstGeom prst="triangle">
             <a:avLst>
@@ -8369,7 +8371,7 @@
         <p:spPr>
           <a:xfrm>
             <a:off x="768600" y="2683800"/>
-            <a:ext cx="380520" cy="395640"/>
+            <a:ext cx="380160" cy="395280"/>
           </a:xfrm>
           <a:prstGeom prst="ellipse">
             <a:avLst/>
@@ -8398,7 +8400,7 @@
         <p:spPr>
           <a:xfrm>
             <a:off x="10005840" y="1490040"/>
-            <a:ext cx="384480" cy="384480"/>
+            <a:ext cx="384120" cy="384120"/>
           </a:xfrm>
           <a:prstGeom prst="ellipse">
             <a:avLst/>
@@ -8426,8 +8428,8 @@
         </p:nvSpPr>
         <p:spPr>
           <a:xfrm rot="5400000">
-            <a:off x="11030760" y="326880"/>
-            <a:ext cx="1561320" cy="1370520"/>
+            <a:off x="11031120" y="326520"/>
+            <a:ext cx="1560960" cy="1370160"/>
           </a:xfrm>
           <a:prstGeom prst="triangle">
             <a:avLst>
@@ -8458,7 +8460,7 @@
         <p:spPr>
           <a:xfrm>
             <a:off x="11647440" y="46440"/>
-            <a:ext cx="369000" cy="318240"/>
+            <a:ext cx="368640" cy="317880"/>
           </a:xfrm>
           <a:prstGeom prst="triangle">
             <a:avLst>
@@ -8487,8 +8489,8 @@
         </p:nvSpPr>
         <p:spPr>
           <a:xfrm rot="19903200">
-            <a:off x="-372240" y="2322000"/>
-            <a:ext cx="1258200" cy="335880"/>
+            <a:off x="-371880" y="2322000"/>
+            <a:ext cx="1257840" cy="335520"/>
           </a:xfrm>
           <a:prstGeom prst="rect">
             <a:avLst/>
@@ -8516,7 +8518,7 @@
         <p:spPr>
           <a:xfrm>
             <a:off x="10933560" y="1900800"/>
-            <a:ext cx="1534320" cy="1534320"/>
+            <a:ext cx="1533960" cy="1533960"/>
           </a:xfrm>
           <a:prstGeom prst="ellipse">
             <a:avLst/>
@@ -8544,8 +8546,8 @@
         </p:nvSpPr>
         <p:spPr>
           <a:xfrm rot="20300400">
-            <a:off x="1780200" y="-185400"/>
-            <a:ext cx="1047240" cy="956160"/>
+            <a:off x="1780200" y="-185040"/>
+            <a:ext cx="1046880" cy="955800"/>
           </a:xfrm>
           <a:prstGeom prst="pie">
             <a:avLst>
@@ -8577,7 +8579,7 @@
         <p:spPr>
           <a:xfrm>
             <a:off x="7324920" y="6605280"/>
-            <a:ext cx="764280" cy="764280"/>
+            <a:ext cx="763920" cy="763920"/>
           </a:xfrm>
           <a:prstGeom prst="ellipse">
             <a:avLst/>
@@ -8605,7 +8607,7 @@
         <p:spPr>
           <a:xfrm>
             <a:off x="11704320" y="4798080"/>
-            <a:ext cx="302400" cy="1038600"/>
+            <a:ext cx="302040" cy="1038240"/>
           </a:xfrm>
           <a:prstGeom prst="rect">
             <a:avLst/>
@@ -8633,7 +8635,7 @@
         <p:spPr>
           <a:xfrm>
             <a:off x="10807560" y="5383800"/>
-            <a:ext cx="385560" cy="732240"/>
+            <a:ext cx="385200" cy="731880"/>
           </a:xfrm>
           <a:prstGeom prst="rect">
             <a:avLst/>
@@ -8661,7 +8663,7 @@
         <p:spPr>
           <a:xfrm>
             <a:off x="9637920" y="4565160"/>
-            <a:ext cx="385560" cy="536400"/>
+            <a:ext cx="385200" cy="536040"/>
           </a:xfrm>
           <a:prstGeom prst="rect">
             <a:avLst/>
@@ -8690,7 +8692,7 @@
         <p:spPr>
           <a:xfrm rot="11821800">
             <a:off x="9739440" y="2307960"/>
-            <a:ext cx="1046160" cy="482760"/>
+            <a:ext cx="1045800" cy="482400"/>
           </a:xfrm>
           <a:custGeom>
             <a:avLst/>
@@ -8774,7 +8776,7 @@
         <p:spPr>
           <a:xfrm rot="4051200">
             <a:off x="8316360" y="673920"/>
-            <a:ext cx="1397520" cy="721800"/>
+            <a:ext cx="1397160" cy="721440"/>
           </a:xfrm>
           <a:custGeom>
             <a:avLst/>
@@ -8827,8 +8829,8 @@
         </p:nvSpPr>
         <p:spPr>
           <a:xfrm rot="10800000">
-            <a:off x="9963360" y="3832200"/>
-            <a:ext cx="682200" cy="682200"/>
+            <a:off x="9963720" y="3832560"/>
+            <a:ext cx="681840" cy="681840"/>
           </a:xfrm>
           <a:prstGeom prst="corner">
             <a:avLst>
@@ -8859,7 +8861,7 @@
         <p:spPr>
           <a:xfrm>
             <a:off x="3008880" y="0"/>
-            <a:ext cx="1815840" cy="216720"/>
+            <a:ext cx="1815480" cy="216360"/>
           </a:xfrm>
           <a:custGeom>
             <a:avLst/>
@@ -9421,8 +9423,8 @@
         </p:nvSpPr>
         <p:spPr>
           <a:xfrm rot="5400000">
-            <a:off x="-584280" y="3642840"/>
-            <a:ext cx="1815840" cy="408600"/>
+            <a:off x="-583560" y="3642840"/>
+            <a:ext cx="1815480" cy="408240"/>
           </a:xfrm>
           <a:custGeom>
             <a:avLst/>
@@ -10249,7 +10251,7 @@
         <p:spPr>
           <a:xfrm>
             <a:off x="11029320" y="3638160"/>
-            <a:ext cx="1113480" cy="774000"/>
+            <a:ext cx="1113120" cy="773640"/>
           </a:xfrm>
           <a:custGeom>
             <a:avLst/>
@@ -11124,7 +11126,7 @@
         <p:spPr>
           <a:xfrm>
             <a:off x="6123600" y="5917680"/>
-            <a:ext cx="1113480" cy="774000"/>
+            <a:ext cx="1113120" cy="773640"/>
           </a:xfrm>
           <a:custGeom>
             <a:avLst/>
@@ -11999,7 +12001,7 @@
         <p:spPr>
           <a:xfrm>
             <a:off x="5614920" y="6330240"/>
-            <a:ext cx="245880" cy="245880"/>
+            <a:ext cx="245520" cy="245520"/>
           </a:xfrm>
           <a:prstGeom prst="ellipse">
             <a:avLst/>
@@ -12026,8 +12028,8 @@
         </p:nvSpPr>
         <p:spPr>
           <a:xfrm rot="3553800">
-            <a:off x="6478200" y="4819680"/>
-            <a:ext cx="2123280" cy="2106720"/>
+            <a:off x="6478200" y="4819320"/>
+            <a:ext cx="2122920" cy="2106360"/>
           </a:xfrm>
           <a:prstGeom prst="pie">
             <a:avLst>
@@ -12058,8 +12060,8 @@
         </p:nvSpPr>
         <p:spPr>
           <a:xfrm rot="17944200">
-            <a:off x="7148520" y="4655880"/>
-            <a:ext cx="3081240" cy="2648520"/>
+            <a:off x="7148160" y="4656240"/>
+            <a:ext cx="3080880" cy="2648160"/>
           </a:xfrm>
           <a:prstGeom prst="triangle">
             <a:avLst>
@@ -12089,8 +12091,8 @@
         </p:nvSpPr>
         <p:spPr>
           <a:xfrm rot="5400000">
-            <a:off x="9351360" y="2773080"/>
-            <a:ext cx="1012680" cy="1370520"/>
+            <a:off x="9351720" y="2773080"/>
+            <a:ext cx="1012320" cy="1370160"/>
           </a:xfrm>
           <a:prstGeom prst="triangle">
             <a:avLst>
@@ -12120,8 +12122,8 @@
         </p:nvSpPr>
         <p:spPr>
           <a:xfrm rot="2662200">
-            <a:off x="-41760" y="455400"/>
-            <a:ext cx="1014840" cy="498960"/>
+            <a:off x="-41400" y="455040"/>
+            <a:ext cx="1014480" cy="498600"/>
           </a:xfrm>
           <a:custGeom>
             <a:avLst/>
@@ -12174,8 +12176,8 @@
         </p:nvSpPr>
         <p:spPr>
           <a:xfrm rot="16200000">
-            <a:off x="641520" y="5896080"/>
-            <a:ext cx="302400" cy="1038600"/>
+            <a:off x="641520" y="5896440"/>
+            <a:ext cx="302040" cy="1038240"/>
           </a:xfrm>
           <a:prstGeom prst="rect">
             <a:avLst/>
@@ -12203,7 +12205,7 @@
         <p:spPr>
           <a:xfrm>
             <a:off x="254520" y="5616720"/>
-            <a:ext cx="478800" cy="456120"/>
+            <a:ext cx="478440" cy="455760"/>
           </a:xfrm>
           <a:prstGeom prst="rect">
             <a:avLst/>
@@ -12231,7 +12233,7 @@
         <p:spPr>
           <a:xfrm rot="14021400">
             <a:off x="844560" y="5974920"/>
-            <a:ext cx="1397520" cy="721800"/>
+            <a:ext cx="1397160" cy="721440"/>
           </a:xfrm>
           <a:custGeom>
             <a:avLst/>
@@ -12284,8 +12286,8 @@
         </p:nvSpPr>
         <p:spPr>
           <a:xfrm flipH="1" rot="5400000">
-            <a:off x="-678960" y="6349320"/>
-            <a:ext cx="1578600" cy="343080"/>
+            <a:off x="-678960" y="6349680"/>
+            <a:ext cx="1578240" cy="342720"/>
           </a:xfrm>
           <a:prstGeom prst="rect">
             <a:avLst/>
@@ -12342,8 +12344,8 @@
         </p:nvSpPr>
         <p:spPr>
           <a:xfrm>
-            <a:off x="2073240" y="821880"/>
-            <a:ext cx="9702000" cy="762480"/>
+            <a:off x="609480" y="273600"/>
+            <a:ext cx="10972440" cy="1144800"/>
           </a:xfrm>
           <a:prstGeom prst="rect">
             <a:avLst/>
@@ -12354,13 +12356,14 @@
             <a:noAutofit/>
           </a:bodyPr>
           <a:p>
-            <a:r>
-              <a:rPr b="0" lang="en-US" sz="1800" spc="-1" strike="noStrike">
+            <a:pPr algn="ctr"/>
+            <a:r>
+              <a:rPr b="0" lang="en-US" sz="4400" spc="-1" strike="noStrike">
                 <a:latin typeface="Arial"/>
               </a:rPr>
               <a:t>Click to edit the title text format</a:t>
             </a:r>
-            <a:endParaRPr b="0" lang="en-US" sz="1800" spc="-1" strike="noStrike">
+            <a:endParaRPr b="0" lang="en-US" sz="4400" spc="-1" strike="noStrike">
               <a:latin typeface="Arial"/>
             </a:endParaRPr>
           </a:p>
@@ -12378,8 +12381,8 @@
         </p:nvSpPr>
         <p:spPr>
           <a:xfrm>
-            <a:off x="2073240" y="1765080"/>
-            <a:ext cx="9702000" cy="4554000"/>
+            <a:off x="609480" y="1604520"/>
+            <a:ext cx="10972440" cy="3977280"/>
           </a:xfrm>
           <a:prstGeom prst="rect">
             <a:avLst/>
@@ -12402,12 +12405,24 @@
               <a:buChar char=""/>
             </a:pPr>
             <a:r>
-              <a:rPr b="0" lang="en-US" sz="1800" spc="-1" strike="noStrike">
+              <a:rPr b="0" lang="en-US" sz="3200" spc="-1" strike="noStrike">
                 <a:latin typeface="Arial"/>
               </a:rPr>
-              <a:t>Click to edit the outline text format</a:t>
-            </a:r>
-            <a:endParaRPr b="0" lang="en-US" sz="1800" spc="-1" strike="noStrike">
+              <a:t>Click to edit </a:t>
+            </a:r>
+            <a:r>
+              <a:rPr b="0" lang="en-US" sz="3200" spc="-1" strike="noStrike">
+                <a:latin typeface="Arial"/>
+              </a:rPr>
+              <a:t>the outline </a:t>
+            </a:r>
+            <a:r>
+              <a:rPr b="0" lang="en-US" sz="3200" spc="-1" strike="noStrike">
+                <a:latin typeface="Arial"/>
+              </a:rPr>
+              <a:t>text format</a:t>
+            </a:r>
+            <a:endParaRPr b="0" lang="en-US" sz="3200" spc="-1" strike="noStrike">
               <a:latin typeface="Arial"/>
             </a:endParaRPr>
           </a:p>
@@ -12424,12 +12439,24 @@
               <a:buChar char=""/>
             </a:pPr>
             <a:r>
-              <a:rPr b="0" lang="en-US" sz="1800" spc="-1" strike="noStrike">
+              <a:rPr b="0" lang="en-US" sz="2800" spc="-1" strike="noStrike">
                 <a:latin typeface="Arial"/>
               </a:rPr>
-              <a:t>Second Outline Level</a:t>
-            </a:r>
-            <a:endParaRPr b="0" lang="en-US" sz="1800" spc="-1" strike="noStrike">
+              <a:t>Second </a:t>
+            </a:r>
+            <a:r>
+              <a:rPr b="0" lang="en-US" sz="2800" spc="-1" strike="noStrike">
+                <a:latin typeface="Arial"/>
+              </a:rPr>
+              <a:t>Outline </a:t>
+            </a:r>
+            <a:r>
+              <a:rPr b="0" lang="en-US" sz="2800" spc="-1" strike="noStrike">
+                <a:latin typeface="Arial"/>
+              </a:rPr>
+              <a:t>Level</a:t>
+            </a:r>
+            <a:endParaRPr b="0" lang="en-US" sz="2800" spc="-1" strike="noStrike">
               <a:latin typeface="Arial"/>
             </a:endParaRPr>
           </a:p>
@@ -12446,12 +12473,24 @@
               <a:buChar char=""/>
             </a:pPr>
             <a:r>
-              <a:rPr b="0" lang="en-US" sz="1800" spc="-1" strike="noStrike">
+              <a:rPr b="0" lang="en-US" sz="2400" spc="-1" strike="noStrike">
                 <a:latin typeface="Arial"/>
               </a:rPr>
-              <a:t>Third Outline Level</a:t>
-            </a:r>
-            <a:endParaRPr b="0" lang="en-US" sz="1800" spc="-1" strike="noStrike">
+              <a:t>Third </a:t>
+            </a:r>
+            <a:r>
+              <a:rPr b="0" lang="en-US" sz="2400" spc="-1" strike="noStrike">
+                <a:latin typeface="Arial"/>
+              </a:rPr>
+              <a:t>Outline </a:t>
+            </a:r>
+            <a:r>
+              <a:rPr b="0" lang="en-US" sz="2400" spc="-1" strike="noStrike">
+                <a:latin typeface="Arial"/>
+              </a:rPr>
+              <a:t>Level</a:t>
+            </a:r>
+            <a:endParaRPr b="0" lang="en-US" sz="2400" spc="-1" strike="noStrike">
               <a:latin typeface="Arial"/>
             </a:endParaRPr>
           </a:p>
@@ -12468,12 +12507,24 @@
               <a:buChar char=""/>
             </a:pPr>
             <a:r>
-              <a:rPr b="0" lang="en-US" sz="1800" spc="-1" strike="noStrike">
+              <a:rPr b="0" lang="en-US" sz="2000" spc="-1" strike="noStrike">
                 <a:latin typeface="Arial"/>
               </a:rPr>
-              <a:t>Fourth Outline Level</a:t>
-            </a:r>
-            <a:endParaRPr b="0" lang="en-US" sz="1800" spc="-1" strike="noStrike">
+              <a:t>Fourth </a:t>
+            </a:r>
+            <a:r>
+              <a:rPr b="0" lang="en-US" sz="2000" spc="-1" strike="noStrike">
+                <a:latin typeface="Arial"/>
+              </a:rPr>
+              <a:t>Outline </a:t>
+            </a:r>
+            <a:r>
+              <a:rPr b="0" lang="en-US" sz="2000" spc="-1" strike="noStrike">
+                <a:latin typeface="Arial"/>
+              </a:rPr>
+              <a:t>Level</a:t>
+            </a:r>
+            <a:endParaRPr b="0" lang="en-US" sz="2000" spc="-1" strike="noStrike">
               <a:latin typeface="Arial"/>
             </a:endParaRPr>
           </a:p>
@@ -12490,12 +12541,42 @@
               <a:buChar char=""/>
             </a:pPr>
             <a:r>
-              <a:rPr b="0" lang="en-US" sz="1800" spc="-1" strike="noStrike">
+              <a:rPr b="0" lang="en-US" sz="2000" spc="-1" strike="noStrike">
                 <a:latin typeface="Arial"/>
               </a:rPr>
-              <a:t>Fifth Outline Level</a:t>
-            </a:r>
-            <a:endParaRPr b="0" lang="en-US" sz="1800" spc="-1" strike="noStrike">
+              <a:t>Fift</a:t>
+            </a:r>
+            <a:r>
+              <a:rPr b="0" lang="en-US" sz="2000" spc="-1" strike="noStrike">
+                <a:latin typeface="Arial"/>
+              </a:rPr>
+              <a:t>h </a:t>
+            </a:r>
+            <a:r>
+              <a:rPr b="0" lang="en-US" sz="2000" spc="-1" strike="noStrike">
+                <a:latin typeface="Arial"/>
+              </a:rPr>
+              <a:t>Out</a:t>
+            </a:r>
+            <a:r>
+              <a:rPr b="0" lang="en-US" sz="2000" spc="-1" strike="noStrike">
+                <a:latin typeface="Arial"/>
+              </a:rPr>
+              <a:t>line </a:t>
+            </a:r>
+            <a:r>
+              <a:rPr b="0" lang="en-US" sz="2000" spc="-1" strike="noStrike">
+                <a:latin typeface="Arial"/>
+              </a:rPr>
+              <a:t>Lev</a:t>
+            </a:r>
+            <a:r>
+              <a:rPr b="0" lang="en-US" sz="2000" spc="-1" strike="noStrike">
+                <a:latin typeface="Arial"/>
+              </a:rPr>
+              <a:t>el</a:t>
+            </a:r>
+            <a:endParaRPr b="0" lang="en-US" sz="2000" spc="-1" strike="noStrike">
               <a:latin typeface="Arial"/>
             </a:endParaRPr>
           </a:p>
@@ -12512,12 +12593,120 @@
               <a:buChar char=""/>
             </a:pPr>
             <a:r>
-              <a:rPr b="0" lang="en-US" sz="1800" spc="-1" strike="noStrike">
+              <a:rPr b="0" lang="en-US" sz="2000" spc="-1" strike="noStrike">
                 <a:latin typeface="Arial"/>
               </a:rPr>
-              <a:t>Sixth Outline Level</a:t>
-            </a:r>
-            <a:endParaRPr b="0" lang="en-US" sz="1800" spc="-1" strike="noStrike">
+              <a:t>S</a:t>
+            </a:r>
+            <a:r>
+              <a:rPr b="0" lang="en-US" sz="2000" spc="-1" strike="noStrike">
+                <a:latin typeface="Arial"/>
+              </a:rPr>
+              <a:t>i</a:t>
+            </a:r>
+            <a:r>
+              <a:rPr b="0" lang="en-US" sz="2000" spc="-1" strike="noStrike">
+                <a:latin typeface="Arial"/>
+              </a:rPr>
+              <a:t>x</a:t>
+            </a:r>
+            <a:r>
+              <a:rPr b="0" lang="en-US" sz="2000" spc="-1" strike="noStrike">
+                <a:latin typeface="Arial"/>
+              </a:rPr>
+              <a:t>t</a:t>
+            </a:r>
+            <a:r>
+              <a:rPr b="0" lang="en-US" sz="2000" spc="-1" strike="noStrike">
+                <a:latin typeface="Arial"/>
+              </a:rPr>
+              <a:t>h</a:t>
+            </a:r>
+            <a:r>
+              <a:rPr b="0" lang="en-US" sz="2000" spc="-1" strike="noStrike">
+                <a:latin typeface="Arial"/>
+              </a:rPr>
+              <a:t> </a:t>
+            </a:r>
+            <a:r>
+              <a:rPr b="0" lang="en-US" sz="2000" spc="-1" strike="noStrike">
+                <a:latin typeface="Arial"/>
+              </a:rPr>
+              <a:t>O</a:t>
+            </a:r>
+            <a:r>
+              <a:rPr b="0" lang="en-US" sz="2000" spc="-1" strike="noStrike">
+                <a:latin typeface="Arial"/>
+              </a:rPr>
+              <a:t>u</a:t>
+            </a:r>
+            <a:r>
+              <a:rPr b="0" lang="en-US" sz="2000" spc="-1" strike="noStrike">
+                <a:latin typeface="Arial"/>
+              </a:rPr>
+              <a:t>t</a:t>
+            </a:r>
+            <a:r>
+              <a:rPr b="0" lang="en-US" sz="2000" spc="-1" strike="noStrike">
+                <a:latin typeface="Arial"/>
+              </a:rPr>
+              <a:t>l</a:t>
+            </a:r>
+            <a:r>
+              <a:rPr b="0" lang="en-US" sz="2000" spc="-1" strike="noStrike">
+                <a:latin typeface="Arial"/>
+              </a:rPr>
+              <a:t>i</a:t>
+            </a:r>
+            <a:r>
+              <a:rPr b="0" lang="en-US" sz="2000" spc="-1" strike="noStrike">
+                <a:latin typeface="Arial"/>
+              </a:rPr>
+              <a:t>n</a:t>
+            </a:r>
+            <a:r>
+              <a:rPr b="0" lang="en-US" sz="2000" spc="-1" strike="noStrike">
+                <a:latin typeface="Arial"/>
+              </a:rPr>
+              <a:t>e</a:t>
+            </a:r>
+            <a:r>
+              <a:rPr b="0" lang="en-US" sz="2000" spc="-1" strike="noStrike">
+                <a:latin typeface="Arial"/>
+              </a:rPr>
+              <a:t> </a:t>
+            </a:r>
+            <a:r>
+              <a:rPr b="0" lang="en-US" sz="2000" spc="-1" strike="noStrike">
+                <a:latin typeface="Arial"/>
+              </a:rPr>
+              <a:t>L</a:t>
+            </a:r>
+            <a:r>
+              <a:rPr b="0" lang="en-US" sz="2000" spc="-1" strike="noStrike">
+                <a:latin typeface="Arial"/>
+              </a:rPr>
+              <a:t>e</a:t>
+            </a:r>
+            <a:r>
+              <a:rPr b="0" lang="en-US" sz="2000" spc="-1" strike="noStrike">
+                <a:latin typeface="Arial"/>
+              </a:rPr>
+              <a:t>v</a:t>
+            </a:r>
+            <a:r>
+              <a:rPr b="0" lang="en-US" sz="2000" spc="-1" strike="noStrike">
+                <a:latin typeface="Arial"/>
+              </a:rPr>
+              <a:t>e</a:t>
+            </a:r>
+            <a:r>
+              <a:rPr b="0" lang="en-US" sz="2000" spc="-1" strike="noStrike">
+                <a:latin typeface="Arial"/>
+              </a:rPr>
+              <a:t>l</a:t>
+            </a:r>
+            <a:endParaRPr b="0" lang="en-US" sz="2000" spc="-1" strike="noStrike">
               <a:latin typeface="Arial"/>
             </a:endParaRPr>
           </a:p>
@@ -12534,12 +12723,132 @@
               <a:buChar char=""/>
             </a:pPr>
             <a:r>
-              <a:rPr b="0" lang="en-US" sz="1800" spc="-1" strike="noStrike">
+              <a:rPr b="0" lang="en-US" sz="2000" spc="-1" strike="noStrike">
                 <a:latin typeface="Arial"/>
               </a:rPr>
-              <a:t>Seventh Outline Level</a:t>
-            </a:r>
-            <a:endParaRPr b="0" lang="en-US" sz="1800" spc="-1" strike="noStrike">
+              <a:t>S</a:t>
+            </a:r>
+            <a:r>
+              <a:rPr b="0" lang="en-US" sz="2000" spc="-1" strike="noStrike">
+                <a:latin typeface="Arial"/>
+              </a:rPr>
+              <a:t>e</a:t>
+            </a:r>
+            <a:r>
+              <a:rPr b="0" lang="en-US" sz="2000" spc="-1" strike="noStrike">
+                <a:latin typeface="Arial"/>
+              </a:rPr>
+              <a:t>v</a:t>
+            </a:r>
+            <a:r>
+              <a:rPr b="0" lang="en-US" sz="2000" spc="-1" strike="noStrike">
+                <a:latin typeface="Arial"/>
+              </a:rPr>
+              <a:t>e</a:t>
+            </a:r>
+            <a:r>
+              <a:rPr b="0" lang="en-US" sz="2000" spc="-1" strike="noStrike">
+                <a:latin typeface="Arial"/>
+              </a:rPr>
+              <a:t>n</a:t>
+            </a:r>
+            <a:r>
+              <a:rPr b="0" lang="en-US" sz="2000" spc="-1" strike="noStrike">
+                <a:latin typeface="Arial"/>
+              </a:rPr>
+              <a:t>t</a:t>
+            </a:r>
+            <a:r>
+              <a:rPr b="0" lang="en-US" sz="2000" spc="-1" strike="noStrike">
+                <a:latin typeface="Arial"/>
+              </a:rPr>
+              <a:t>h</a:t>
+            </a:r>
+            <a:r>
+              <a:rPr b="0" lang="en-US" sz="2000" spc="-1" strike="noStrike">
+                <a:latin typeface="Arial"/>
+              </a:rPr>
+              <a:t> </a:t>
+            </a:r>
+            <a:r>
+              <a:rPr b="0" lang="en-US" sz="2000" spc="-1" strike="noStrike">
+                <a:latin typeface="Arial"/>
+              </a:rPr>
+              <a:t>O</a:t>
+            </a:r>
+            <a:r>
+              <a:rPr b="0" lang="en-US" sz="2000" spc="-1" strike="noStrike">
+                <a:latin typeface="Arial"/>
+              </a:rPr>
+              <a:t>u</a:t>
+            </a:r>
+            <a:r>
+              <a:rPr b="0" lang="en-US" sz="2000" spc="-1" strike="noStrike">
+                <a:latin typeface="Arial"/>
+              </a:rPr>
+              <a:t>t</a:t>
+            </a:r>
+            <a:r>
+              <a:rPr b="0" lang="en-US" sz="2000" spc="-1" strike="noStrike">
+                <a:latin typeface="Arial"/>
+              </a:rPr>
+              <a:t>l</a:t>
+            </a:r>
+            <a:r>
+              <a:rPr b="0" lang="en-US" sz="2000" spc="-1" strike="noStrike">
+                <a:latin typeface="Arial"/>
+              </a:rPr>
+              <a:t>i</a:t>
+            </a:r>
+            <a:r>
+              <a:rPr b="0" lang="en-US" sz="2000" spc="-1" strike="noStrike">
+                <a:latin typeface="Arial"/>
+              </a:rPr>
+              <a:t>n</a:t>
+            </a:r>
+            <a:r>
+              <a:rPr b="0" lang="en-US" sz="2000" spc="-1" strike="noStrike">
+                <a:latin typeface="Arial"/>
+              </a:rPr>
+              <a:t>e</a:t>
+            </a:r>
+            <a:r>
+              <a:rPr b="0" lang="en-US" sz="2000" spc="-1" strike="noStrike">
+                <a:latin typeface="Arial"/>
+              </a:rPr>
+              <a:t> </a:t>
+            </a:r>
+            <a:r>
+              <a:rPr b="0" lang="en-US" sz="2000" spc="-1" strike="noStrike">
+                <a:latin typeface="Arial"/>
+              </a:rPr>
+              <a:t>L</a:t>
+            </a:r>
+            <a:r>
+              <a:rPr b="0" lang="en-US" sz="2000" spc="-1" strike="noStrike">
+                <a:latin typeface="Arial"/>
+              </a:rPr>
+              <a:t>e</a:t>
+            </a:r>
+            <a:r>
+              <a:rPr b="0" lang="en-US" sz="2000" spc="-1" strike="noStrike">
+                <a:latin typeface="Arial"/>
+              </a:rPr>
+              <a:t>v</a:t>
+            </a:r>
+            <a:r>
+              <a:rPr b="0" lang="en-US" sz="2000" spc="-1" strike="noStrike">
+                <a:latin typeface="Arial"/>
+              </a:rPr>
+              <a:t>e</a:t>
+            </a:r>
+            <a:r>
+              <a:rPr b="0" lang="en-US" sz="2000" spc="-1" strike="noStrike">
+                <a:latin typeface="Arial"/>
+              </a:rPr>
+              <a:t>l</a:t>
+            </a:r>
+            <a:endParaRPr b="0" lang="en-US" sz="2000" spc="-1" strike="noStrike">
               <a:latin typeface="Arial"/>
             </a:endParaRPr>
           </a:p>
@@ -12598,7 +12907,7 @@
         <p:spPr>
           <a:xfrm>
             <a:off x="11498760" y="6251400"/>
-            <a:ext cx="478800" cy="456120"/>
+            <a:ext cx="478440" cy="455760"/>
           </a:xfrm>
           <a:prstGeom prst="rect">
             <a:avLst/>
@@ -12626,7 +12935,7 @@
         <p:spPr>
           <a:xfrm flipH="1">
             <a:off x="11372400" y="337320"/>
-            <a:ext cx="475560" cy="475560"/>
+            <a:ext cx="475200" cy="475200"/>
           </a:xfrm>
           <a:prstGeom prst="ellipse">
             <a:avLst/>
@@ -12653,8 +12962,8 @@
         </p:nvSpPr>
         <p:spPr>
           <a:xfrm flipH="1" rot="16200000">
-            <a:off x="11665080" y="963000"/>
-            <a:ext cx="730440" cy="629640"/>
+            <a:off x="11665440" y="963000"/>
+            <a:ext cx="730080" cy="629280"/>
           </a:xfrm>
           <a:prstGeom prst="triangle">
             <a:avLst>
@@ -12683,8 +12992,8 @@
         </p:nvSpPr>
         <p:spPr>
           <a:xfrm flipH="1" rot="5400000">
-            <a:off x="11203560" y="1356840"/>
-            <a:ext cx="730440" cy="629640"/>
+            <a:off x="11203560" y="1357200"/>
+            <a:ext cx="730080" cy="629280"/>
           </a:xfrm>
           <a:prstGeom prst="triangle">
             <a:avLst>
@@ -12714,8 +13023,8 @@
         </p:nvSpPr>
         <p:spPr>
           <a:xfrm flipH="1" rot="16200000">
-            <a:off x="9974160" y="-693720"/>
-            <a:ext cx="1012680" cy="1370520"/>
+            <a:off x="9974520" y="-693360"/>
+            <a:ext cx="1012320" cy="1370160"/>
           </a:xfrm>
           <a:prstGeom prst="triangle">
             <a:avLst>
@@ -12746,7 +13055,7 @@
         <p:spPr>
           <a:xfrm flipH="1">
             <a:off x="11194560" y="2674800"/>
-            <a:ext cx="380520" cy="395640"/>
+            <a:ext cx="380160" cy="395280"/>
           </a:xfrm>
           <a:prstGeom prst="ellipse">
             <a:avLst/>
@@ -12774,8 +13083,8 @@
         </p:nvSpPr>
         <p:spPr>
           <a:xfrm flipH="1" rot="1696800">
-            <a:off x="11456640" y="2318760"/>
-            <a:ext cx="1279080" cy="335520"/>
+            <a:off x="11455560" y="2318760"/>
+            <a:ext cx="1278720" cy="335160"/>
           </a:xfrm>
           <a:prstGeom prst="rect">
             <a:avLst/>
@@ -12802,8 +13111,8 @@
         </p:nvSpPr>
         <p:spPr>
           <a:xfrm flipH="1" rot="1299600">
-            <a:off x="9514080" y="-194400"/>
-            <a:ext cx="1046880" cy="955800"/>
+            <a:off x="9513360" y="-194400"/>
+            <a:ext cx="1046520" cy="955440"/>
           </a:xfrm>
           <a:prstGeom prst="pie">
             <a:avLst>
@@ -12834,8 +13143,8 @@
         </p:nvSpPr>
         <p:spPr>
           <a:xfrm flipH="1">
-            <a:off x="7520040" y="-9000"/>
-            <a:ext cx="1815840" cy="216720"/>
+            <a:off x="7519320" y="-9000"/>
+            <a:ext cx="1815480" cy="216360"/>
           </a:xfrm>
           <a:custGeom>
             <a:avLst/>
@@ -13397,8 +13706,8 @@
         </p:nvSpPr>
         <p:spPr>
           <a:xfrm flipH="1" rot="16200000">
-            <a:off x="11115360" y="3633840"/>
-            <a:ext cx="1815840" cy="408600"/>
+            <a:off x="11115720" y="3633840"/>
+            <a:ext cx="1815480" cy="408240"/>
           </a:xfrm>
           <a:custGeom>
             <a:avLst/>
@@ -14225,7 +14534,7 @@
         <p:spPr>
           <a:xfrm flipH="1" rot="18937800">
             <a:off x="11372400" y="445680"/>
-            <a:ext cx="1015920" cy="498960"/>
+            <a:ext cx="1015920" cy="498600"/>
           </a:xfrm>
           <a:custGeom>
             <a:avLst/>
@@ -14278,8 +14587,8 @@
         </p:nvSpPr>
         <p:spPr>
           <a:xfrm flipH="1" rot="20216400">
-            <a:off x="-79200" y="146520"/>
-            <a:ext cx="1397520" cy="721800"/>
+            <a:off x="-78840" y="146520"/>
+            <a:ext cx="1397160" cy="721440"/>
           </a:xfrm>
           <a:custGeom>
             <a:avLst/>
@@ -14333,7 +14642,7 @@
         <p:spPr>
           <a:xfrm flipH="1">
             <a:off x="531720" y="-185760"/>
-            <a:ext cx="475560" cy="475560"/>
+            <a:ext cx="475200" cy="475200"/>
           </a:xfrm>
           <a:prstGeom prst="ellipse">
             <a:avLst/>
@@ -14360,8 +14669,8 @@
         </p:nvSpPr>
         <p:spPr>
           <a:xfrm flipH="1" rot="5400000">
-            <a:off x="-678960" y="6349320"/>
-            <a:ext cx="1578600" cy="343080"/>
+            <a:off x="-678960" y="6349680"/>
+            <a:ext cx="1578240" cy="342720"/>
           </a:xfrm>
           <a:prstGeom prst="rect">
             <a:avLst/>
@@ -14675,7 +14984,7 @@
         <p:spPr>
           <a:xfrm>
             <a:off x="11498760" y="6251400"/>
-            <a:ext cx="478800" cy="456120"/>
+            <a:ext cx="478440" cy="455760"/>
           </a:xfrm>
           <a:prstGeom prst="rect">
             <a:avLst/>
@@ -14703,7 +15012,7 @@
         <p:spPr>
           <a:xfrm>
             <a:off x="495720" y="346320"/>
-            <a:ext cx="475560" cy="475560"/>
+            <a:ext cx="475200" cy="475200"/>
           </a:xfrm>
           <a:prstGeom prst="ellipse">
             <a:avLst/>
@@ -14730,8 +15039,8 @@
         </p:nvSpPr>
         <p:spPr>
           <a:xfrm rot="5400000">
-            <a:off x="-49680" y="972000"/>
-            <a:ext cx="730440" cy="629640"/>
+            <a:off x="-49320" y="972000"/>
+            <a:ext cx="730080" cy="629280"/>
           </a:xfrm>
           <a:prstGeom prst="triangle">
             <a:avLst>
@@ -14760,8 +15069,8 @@
         </p:nvSpPr>
         <p:spPr>
           <a:xfrm rot="16200000">
-            <a:off x="410040" y="1366200"/>
-            <a:ext cx="730440" cy="629640"/>
+            <a:off x="410040" y="1366560"/>
+            <a:ext cx="730080" cy="629280"/>
           </a:xfrm>
           <a:prstGeom prst="triangle">
             <a:avLst>
@@ -14791,8 +15100,8 @@
         </p:nvSpPr>
         <p:spPr>
           <a:xfrm rot="5400000">
-            <a:off x="1359000" y="-685800"/>
-            <a:ext cx="1012680" cy="1370520"/>
+            <a:off x="1359360" y="-685800"/>
+            <a:ext cx="1012320" cy="1370160"/>
           </a:xfrm>
           <a:prstGeom prst="triangle">
             <a:avLst>
@@ -14823,7 +15132,7 @@
         <p:spPr>
           <a:xfrm>
             <a:off x="768600" y="2683800"/>
-            <a:ext cx="380520" cy="395640"/>
+            <a:ext cx="380160" cy="395280"/>
           </a:xfrm>
           <a:prstGeom prst="ellipse">
             <a:avLst/>
@@ -14851,8 +15160,8 @@
         </p:nvSpPr>
         <p:spPr>
           <a:xfrm rot="19903200">
-            <a:off x="-333000" y="2312280"/>
-            <a:ext cx="1217160" cy="335880"/>
+            <a:off x="-332640" y="2312280"/>
+            <a:ext cx="1216800" cy="335520"/>
           </a:xfrm>
           <a:prstGeom prst="rect">
             <a:avLst/>
@@ -14879,8 +15188,8 @@
         </p:nvSpPr>
         <p:spPr>
           <a:xfrm rot="20300400">
-            <a:off x="1780200" y="-185400"/>
-            <a:ext cx="1047240" cy="956160"/>
+            <a:off x="1780200" y="-185040"/>
+            <a:ext cx="1046880" cy="955800"/>
           </a:xfrm>
           <a:prstGeom prst="pie">
             <a:avLst>
@@ -14912,7 +15221,7 @@
         <p:spPr>
           <a:xfrm>
             <a:off x="7324920" y="6605280"/>
-            <a:ext cx="764280" cy="764280"/>
+            <a:ext cx="763920" cy="763920"/>
           </a:xfrm>
           <a:prstGeom prst="ellipse">
             <a:avLst/>
@@ -14940,7 +15249,7 @@
         <p:spPr>
           <a:xfrm>
             <a:off x="3008880" y="0"/>
-            <a:ext cx="1815840" cy="216720"/>
+            <a:ext cx="1815480" cy="216360"/>
           </a:xfrm>
           <a:custGeom>
             <a:avLst/>
@@ -15502,8 +15811,8 @@
         </p:nvSpPr>
         <p:spPr>
           <a:xfrm rot="5400000">
-            <a:off x="-584280" y="3642840"/>
-            <a:ext cx="1815840" cy="408600"/>
+            <a:off x="-583560" y="3642840"/>
+            <a:ext cx="1815480" cy="408240"/>
           </a:xfrm>
           <a:custGeom>
             <a:avLst/>
@@ -16330,7 +16639,7 @@
         <p:spPr>
           <a:xfrm>
             <a:off x="6123600" y="5917680"/>
-            <a:ext cx="1113480" cy="774000"/>
+            <a:ext cx="1113120" cy="773640"/>
           </a:xfrm>
           <a:custGeom>
             <a:avLst/>
@@ -17205,7 +17514,7 @@
         <p:spPr>
           <a:xfrm>
             <a:off x="5614920" y="6330240"/>
-            <a:ext cx="245880" cy="245880"/>
+            <a:ext cx="245520" cy="245520"/>
           </a:xfrm>
           <a:prstGeom prst="ellipse">
             <a:avLst/>
@@ -17232,8 +17541,8 @@
         </p:nvSpPr>
         <p:spPr>
           <a:xfrm rot="2662200">
-            <a:off x="-41760" y="455400"/>
-            <a:ext cx="1014840" cy="498960"/>
+            <a:off x="-41400" y="455040"/>
+            <a:ext cx="1014480" cy="498600"/>
           </a:xfrm>
           <a:custGeom>
             <a:avLst/>
@@ -17286,8 +17595,8 @@
         </p:nvSpPr>
         <p:spPr>
           <a:xfrm rot="16200000">
-            <a:off x="641520" y="5896080"/>
-            <a:ext cx="302400" cy="1038600"/>
+            <a:off x="641520" y="5896440"/>
+            <a:ext cx="302040" cy="1038240"/>
           </a:xfrm>
           <a:prstGeom prst="rect">
             <a:avLst/>
@@ -17315,7 +17624,7 @@
         <p:spPr>
           <a:xfrm>
             <a:off x="254520" y="5616720"/>
-            <a:ext cx="478800" cy="456120"/>
+            <a:ext cx="478440" cy="455760"/>
           </a:xfrm>
           <a:prstGeom prst="rect">
             <a:avLst/>
@@ -17343,7 +17652,7 @@
         <p:spPr>
           <a:xfrm rot="14021400">
             <a:off x="844560" y="5974920"/>
-            <a:ext cx="1397520" cy="721800"/>
+            <a:ext cx="1397160" cy="721440"/>
           </a:xfrm>
           <a:custGeom>
             <a:avLst/>
@@ -17396,8 +17705,8 @@
         </p:nvSpPr>
         <p:spPr>
           <a:xfrm flipH="1" rot="5400000">
-            <a:off x="-678960" y="6349320"/>
-            <a:ext cx="1578600" cy="343080"/>
+            <a:off x="-678960" y="6349680"/>
+            <a:ext cx="1578240" cy="342720"/>
           </a:xfrm>
           <a:prstGeom prst="rect">
             <a:avLst/>
@@ -17518,7 +17827,19 @@
               <a:rPr b="0" lang="en-US" sz="3200" spc="-1" strike="noStrike">
                 <a:latin typeface="Arial"/>
               </a:rPr>
-              <a:t>Click to edit the outline text format</a:t>
+              <a:t>Click to edit </a:t>
+            </a:r>
+            <a:r>
+              <a:rPr b="0" lang="en-US" sz="3200" spc="-1" strike="noStrike">
+                <a:latin typeface="Arial"/>
+              </a:rPr>
+              <a:t>the outline </a:t>
+            </a:r>
+            <a:r>
+              <a:rPr b="0" lang="en-US" sz="3200" spc="-1" strike="noStrike">
+                <a:latin typeface="Arial"/>
+              </a:rPr>
+              <a:t>text format</a:t>
             </a:r>
             <a:endParaRPr b="0" lang="en-US" sz="3200" spc="-1" strike="noStrike">
               <a:latin typeface="Arial"/>
@@ -17540,7 +17861,19 @@
               <a:rPr b="0" lang="en-US" sz="2800" spc="-1" strike="noStrike">
                 <a:latin typeface="Arial"/>
               </a:rPr>
-              <a:t>Second Outline Level</a:t>
+              <a:t>Second </a:t>
+            </a:r>
+            <a:r>
+              <a:rPr b="0" lang="en-US" sz="2800" spc="-1" strike="noStrike">
+                <a:latin typeface="Arial"/>
+              </a:rPr>
+              <a:t>Outline </a:t>
+            </a:r>
+            <a:r>
+              <a:rPr b="0" lang="en-US" sz="2800" spc="-1" strike="noStrike">
+                <a:latin typeface="Arial"/>
+              </a:rPr>
+              <a:t>Level</a:t>
             </a:r>
             <a:endParaRPr b="0" lang="en-US" sz="2800" spc="-1" strike="noStrike">
               <a:latin typeface="Arial"/>
@@ -17562,7 +17895,19 @@
               <a:rPr b="0" lang="en-US" sz="2400" spc="-1" strike="noStrike">
                 <a:latin typeface="Arial"/>
               </a:rPr>
-              <a:t>Third Outline Level</a:t>
+              <a:t>Third </a:t>
+            </a:r>
+            <a:r>
+              <a:rPr b="0" lang="en-US" sz="2400" spc="-1" strike="noStrike">
+                <a:latin typeface="Arial"/>
+              </a:rPr>
+              <a:t>Outline </a:t>
+            </a:r>
+            <a:r>
+              <a:rPr b="0" lang="en-US" sz="2400" spc="-1" strike="noStrike">
+                <a:latin typeface="Arial"/>
+              </a:rPr>
+              <a:t>Level</a:t>
             </a:r>
             <a:endParaRPr b="0" lang="en-US" sz="2400" spc="-1" strike="noStrike">
               <a:latin typeface="Arial"/>
@@ -17584,7 +17929,19 @@
               <a:rPr b="0" lang="en-US" sz="2000" spc="-1" strike="noStrike">
                 <a:latin typeface="Arial"/>
               </a:rPr>
-              <a:t>Fourth Outline Level</a:t>
+              <a:t>Fourth </a:t>
+            </a:r>
+            <a:r>
+              <a:rPr b="0" lang="en-US" sz="2000" spc="-1" strike="noStrike">
+                <a:latin typeface="Arial"/>
+              </a:rPr>
+              <a:t>Outline </a:t>
+            </a:r>
+            <a:r>
+              <a:rPr b="0" lang="en-US" sz="2000" spc="-1" strike="noStrike">
+                <a:latin typeface="Arial"/>
+              </a:rPr>
+              <a:t>Level</a:t>
             </a:r>
             <a:endParaRPr b="0" lang="en-US" sz="2000" spc="-1" strike="noStrike">
               <a:latin typeface="Arial"/>
@@ -17606,7 +17963,37 @@
               <a:rPr b="0" lang="en-US" sz="2000" spc="-1" strike="noStrike">
                 <a:latin typeface="Arial"/>
               </a:rPr>
-              <a:t>Fifth Outline Level</a:t>
+              <a:t>Fift</a:t>
+            </a:r>
+            <a:r>
+              <a:rPr b="0" lang="en-US" sz="2000" spc="-1" strike="noStrike">
+                <a:latin typeface="Arial"/>
+              </a:rPr>
+              <a:t>h </a:t>
+            </a:r>
+            <a:r>
+              <a:rPr b="0" lang="en-US" sz="2000" spc="-1" strike="noStrike">
+                <a:latin typeface="Arial"/>
+              </a:rPr>
+              <a:t>Out</a:t>
+            </a:r>
+            <a:r>
+              <a:rPr b="0" lang="en-US" sz="2000" spc="-1" strike="noStrike">
+                <a:latin typeface="Arial"/>
+              </a:rPr>
+              <a:t>line </a:t>
+            </a:r>
+            <a:r>
+              <a:rPr b="0" lang="en-US" sz="2000" spc="-1" strike="noStrike">
+                <a:latin typeface="Arial"/>
+              </a:rPr>
+              <a:t>Lev</a:t>
+            </a:r>
+            <a:r>
+              <a:rPr b="0" lang="en-US" sz="2000" spc="-1" strike="noStrike">
+                <a:latin typeface="Arial"/>
+              </a:rPr>
+              <a:t>el</a:t>
             </a:r>
             <a:endParaRPr b="0" lang="en-US" sz="2000" spc="-1" strike="noStrike">
               <a:latin typeface="Arial"/>
@@ -17628,7 +18015,115 @@
               <a:rPr b="0" lang="en-US" sz="2000" spc="-1" strike="noStrike">
                 <a:latin typeface="Arial"/>
               </a:rPr>
-              <a:t>Sixth Outline Level</a:t>
+              <a:t>S</a:t>
+            </a:r>
+            <a:r>
+              <a:rPr b="0" lang="en-US" sz="2000" spc="-1" strike="noStrike">
+                <a:latin typeface="Arial"/>
+              </a:rPr>
+              <a:t>i</a:t>
+            </a:r>
+            <a:r>
+              <a:rPr b="0" lang="en-US" sz="2000" spc="-1" strike="noStrike">
+                <a:latin typeface="Arial"/>
+              </a:rPr>
+              <a:t>x</a:t>
+            </a:r>
+            <a:r>
+              <a:rPr b="0" lang="en-US" sz="2000" spc="-1" strike="noStrike">
+                <a:latin typeface="Arial"/>
+              </a:rPr>
+              <a:t>t</a:t>
+            </a:r>
+            <a:r>
+              <a:rPr b="0" lang="en-US" sz="2000" spc="-1" strike="noStrike">
+                <a:latin typeface="Arial"/>
+              </a:rPr>
+              <a:t>h</a:t>
+            </a:r>
+            <a:r>
+              <a:rPr b="0" lang="en-US" sz="2000" spc="-1" strike="noStrike">
+                <a:latin typeface="Arial"/>
+              </a:rPr>
+              <a:t> </a:t>
+            </a:r>
+            <a:r>
+              <a:rPr b="0" lang="en-US" sz="2000" spc="-1" strike="noStrike">
+                <a:latin typeface="Arial"/>
+              </a:rPr>
+              <a:t>O</a:t>
+            </a:r>
+            <a:r>
+              <a:rPr b="0" lang="en-US" sz="2000" spc="-1" strike="noStrike">
+                <a:latin typeface="Arial"/>
+              </a:rPr>
+              <a:t>u</a:t>
+            </a:r>
+            <a:r>
+              <a:rPr b="0" lang="en-US" sz="2000" spc="-1" strike="noStrike">
+                <a:latin typeface="Arial"/>
+              </a:rPr>
+              <a:t>t</a:t>
+            </a:r>
+            <a:r>
+              <a:rPr b="0" lang="en-US" sz="2000" spc="-1" strike="noStrike">
+                <a:latin typeface="Arial"/>
+              </a:rPr>
+              <a:t>l</a:t>
+            </a:r>
+            <a:r>
+              <a:rPr b="0" lang="en-US" sz="2000" spc="-1" strike="noStrike">
+                <a:latin typeface="Arial"/>
+              </a:rPr>
+              <a:t>i</a:t>
+            </a:r>
+            <a:r>
+              <a:rPr b="0" lang="en-US" sz="2000" spc="-1" strike="noStrike">
+                <a:latin typeface="Arial"/>
+              </a:rPr>
+              <a:t>n</a:t>
+            </a:r>
+            <a:r>
+              <a:rPr b="0" lang="en-US" sz="2000" spc="-1" strike="noStrike">
+                <a:latin typeface="Arial"/>
+              </a:rPr>
+              <a:t>e</a:t>
+            </a:r>
+            <a:r>
+              <a:rPr b="0" lang="en-US" sz="2000" spc="-1" strike="noStrike">
+                <a:latin typeface="Arial"/>
+              </a:rPr>
+              <a:t> </a:t>
+            </a:r>
+            <a:r>
+              <a:rPr b="0" lang="en-US" sz="2000" spc="-1" strike="noStrike">
+                <a:latin typeface="Arial"/>
+              </a:rPr>
+              <a:t>L</a:t>
+            </a:r>
+            <a:r>
+              <a:rPr b="0" lang="en-US" sz="2000" spc="-1" strike="noStrike">
+                <a:latin typeface="Arial"/>
+              </a:rPr>
+              <a:t>e</a:t>
+            </a:r>
+            <a:r>
+              <a:rPr b="0" lang="en-US" sz="2000" spc="-1" strike="noStrike">
+                <a:latin typeface="Arial"/>
+              </a:rPr>
+              <a:t>v</a:t>
+            </a:r>
+            <a:r>
+              <a:rPr b="0" lang="en-US" sz="2000" spc="-1" strike="noStrike">
+                <a:latin typeface="Arial"/>
+              </a:rPr>
+              <a:t>e</a:t>
+            </a:r>
+            <a:r>
+              <a:rPr b="0" lang="en-US" sz="2000" spc="-1" strike="noStrike">
+                <a:latin typeface="Arial"/>
+              </a:rPr>
+              <a:t>l</a:t>
             </a:r>
             <a:endParaRPr b="0" lang="en-US" sz="2000" spc="-1" strike="noStrike">
               <a:latin typeface="Arial"/>
@@ -17650,7 +18145,127 @@
               <a:rPr b="0" lang="en-US" sz="2000" spc="-1" strike="noStrike">
                 <a:latin typeface="Arial"/>
               </a:rPr>
-              <a:t>Seventh Outline Level</a:t>
+              <a:t>S</a:t>
+            </a:r>
+            <a:r>
+              <a:rPr b="0" lang="en-US" sz="2000" spc="-1" strike="noStrike">
+                <a:latin typeface="Arial"/>
+              </a:rPr>
+              <a:t>e</a:t>
+            </a:r>
+            <a:r>
+              <a:rPr b="0" lang="en-US" sz="2000" spc="-1" strike="noStrike">
+                <a:latin typeface="Arial"/>
+              </a:rPr>
+              <a:t>v</a:t>
+            </a:r>
+            <a:r>
+              <a:rPr b="0" lang="en-US" sz="2000" spc="-1" strike="noStrike">
+                <a:latin typeface="Arial"/>
+              </a:rPr>
+              <a:t>e</a:t>
+            </a:r>
+            <a:r>
+              <a:rPr b="0" lang="en-US" sz="2000" spc="-1" strike="noStrike">
+                <a:latin typeface="Arial"/>
+              </a:rPr>
+              <a:t>n</a:t>
+            </a:r>
+            <a:r>
+              <a:rPr b="0" lang="en-US" sz="2000" spc="-1" strike="noStrike">
+                <a:latin typeface="Arial"/>
+              </a:rPr>
+              <a:t>t</a:t>
+            </a:r>
+            <a:r>
+              <a:rPr b="0" lang="en-US" sz="2000" spc="-1" strike="noStrike">
+                <a:latin typeface="Arial"/>
+              </a:rPr>
+              <a:t>h</a:t>
+            </a:r>
+            <a:r>
+              <a:rPr b="0" lang="en-US" sz="2000" spc="-1" strike="noStrike">
+                <a:latin typeface="Arial"/>
+              </a:rPr>
+              <a:t> </a:t>
+            </a:r>
+            <a:r>
+              <a:rPr b="0" lang="en-US" sz="2000" spc="-1" strike="noStrike">
+                <a:latin typeface="Arial"/>
+              </a:rPr>
+              <a:t>O</a:t>
+            </a:r>
+            <a:r>
+              <a:rPr b="0" lang="en-US" sz="2000" spc="-1" strike="noStrike">
+                <a:latin typeface="Arial"/>
+              </a:rPr>
+              <a:t>u</a:t>
+            </a:r>
+            <a:r>
+              <a:rPr b="0" lang="en-US" sz="2000" spc="-1" strike="noStrike">
+                <a:latin typeface="Arial"/>
+              </a:rPr>
+              <a:t>t</a:t>
+            </a:r>
+            <a:r>
+              <a:rPr b="0" lang="en-US" sz="2000" spc="-1" strike="noStrike">
+                <a:latin typeface="Arial"/>
+              </a:rPr>
+              <a:t>l</a:t>
+            </a:r>
+            <a:r>
+              <a:rPr b="0" lang="en-US" sz="2000" spc="-1" strike="noStrike">
+                <a:latin typeface="Arial"/>
+              </a:rPr>
+              <a:t>i</a:t>
+            </a:r>
+            <a:r>
+              <a:rPr b="0" lang="en-US" sz="2000" spc="-1" strike="noStrike">
+                <a:latin typeface="Arial"/>
+              </a:rPr>
+              <a:t>n</a:t>
+            </a:r>
+            <a:r>
+              <a:rPr b="0" lang="en-US" sz="2000" spc="-1" strike="noStrike">
+                <a:latin typeface="Arial"/>
+              </a:rPr>
+              <a:t>e</a:t>
+            </a:r>
+            <a:r>
+              <a:rPr b="0" lang="en-US" sz="2000" spc="-1" strike="noStrike">
+                <a:latin typeface="Arial"/>
+              </a:rPr>
+              <a:t> </a:t>
+            </a:r>
+            <a:r>
+              <a:rPr b="0" lang="en-US" sz="2000" spc="-1" strike="noStrike">
+                <a:latin typeface="Arial"/>
+              </a:rPr>
+              <a:t>L</a:t>
+            </a:r>
+            <a:r>
+              <a:rPr b="0" lang="en-US" sz="2000" spc="-1" strike="noStrike">
+                <a:latin typeface="Arial"/>
+              </a:rPr>
+              <a:t>e</a:t>
+            </a:r>
+            <a:r>
+              <a:rPr b="0" lang="en-US" sz="2000" spc="-1" strike="noStrike">
+                <a:latin typeface="Arial"/>
+              </a:rPr>
+              <a:t>v</a:t>
+            </a:r>
+            <a:r>
+              <a:rPr b="0" lang="en-US" sz="2000" spc="-1" strike="noStrike">
+                <a:latin typeface="Arial"/>
+              </a:rPr>
+              <a:t>e</a:t>
+            </a:r>
+            <a:r>
+              <a:rPr b="0" lang="en-US" sz="2000" spc="-1" strike="noStrike">
+                <a:latin typeface="Arial"/>
+              </a:rPr>
+              <a:t>l</a:t>
             </a:r>
             <a:endParaRPr b="0" lang="en-US" sz="2000" spc="-1" strike="noStrike">
               <a:latin typeface="Arial"/>
@@ -17711,7 +18326,7 @@
         <p:spPr>
           <a:xfrm>
             <a:off x="11498760" y="6251400"/>
-            <a:ext cx="478800" cy="456120"/>
+            <a:ext cx="478440" cy="455760"/>
           </a:xfrm>
           <a:prstGeom prst="rect">
             <a:avLst/>
@@ -17739,7 +18354,7 @@
         <p:spPr>
           <a:xfrm>
             <a:off x="495720" y="346320"/>
-            <a:ext cx="475560" cy="475560"/>
+            <a:ext cx="475200" cy="475200"/>
           </a:xfrm>
           <a:prstGeom prst="ellipse">
             <a:avLst/>
@@ -17766,8 +18381,8 @@
         </p:nvSpPr>
         <p:spPr>
           <a:xfrm rot="5400000">
-            <a:off x="-49680" y="972000"/>
-            <a:ext cx="730440" cy="629640"/>
+            <a:off x="-49320" y="972000"/>
+            <a:ext cx="730080" cy="629280"/>
           </a:xfrm>
           <a:prstGeom prst="triangle">
             <a:avLst>
@@ -17796,8 +18411,8 @@
         </p:nvSpPr>
         <p:spPr>
           <a:xfrm rot="16200000">
-            <a:off x="410040" y="1366200"/>
-            <a:ext cx="730440" cy="629640"/>
+            <a:off x="410040" y="1366560"/>
+            <a:ext cx="730080" cy="629280"/>
           </a:xfrm>
           <a:prstGeom prst="triangle">
             <a:avLst>
@@ -17827,8 +18442,8 @@
         </p:nvSpPr>
         <p:spPr>
           <a:xfrm rot="5400000">
-            <a:off x="1359000" y="-685800"/>
-            <a:ext cx="1012680" cy="1370520"/>
+            <a:off x="1359360" y="-685800"/>
+            <a:ext cx="1012320" cy="1370160"/>
           </a:xfrm>
           <a:prstGeom prst="triangle">
             <a:avLst>
@@ -17859,7 +18474,7 @@
         <p:spPr>
           <a:xfrm>
             <a:off x="768600" y="2683800"/>
-            <a:ext cx="380520" cy="395640"/>
+            <a:ext cx="380160" cy="395280"/>
           </a:xfrm>
           <a:prstGeom prst="ellipse">
             <a:avLst/>
@@ -17887,8 +18502,8 @@
         </p:nvSpPr>
         <p:spPr>
           <a:xfrm rot="19903200">
-            <a:off x="-333000" y="2312280"/>
-            <a:ext cx="1217160" cy="335880"/>
+            <a:off x="-332640" y="2312280"/>
+            <a:ext cx="1216800" cy="335520"/>
           </a:xfrm>
           <a:prstGeom prst="rect">
             <a:avLst/>
@@ -17915,8 +18530,8 @@
         </p:nvSpPr>
         <p:spPr>
           <a:xfrm rot="20300400">
-            <a:off x="1780200" y="-185400"/>
-            <a:ext cx="1047240" cy="956160"/>
+            <a:off x="1780200" y="-185040"/>
+            <a:ext cx="1046880" cy="955800"/>
           </a:xfrm>
           <a:prstGeom prst="pie">
             <a:avLst>
@@ -17948,7 +18563,7 @@
         <p:spPr>
           <a:xfrm>
             <a:off x="7324920" y="6605280"/>
-            <a:ext cx="764280" cy="764280"/>
+            <a:ext cx="763920" cy="763920"/>
           </a:xfrm>
           <a:prstGeom prst="ellipse">
             <a:avLst/>
@@ -17976,7 +18591,7 @@
         <p:spPr>
           <a:xfrm>
             <a:off x="3008880" y="0"/>
-            <a:ext cx="1815840" cy="216720"/>
+            <a:ext cx="1815480" cy="216360"/>
           </a:xfrm>
           <a:custGeom>
             <a:avLst/>
@@ -18538,8 +19153,8 @@
         </p:nvSpPr>
         <p:spPr>
           <a:xfrm rot="5400000">
-            <a:off x="-584280" y="3642840"/>
-            <a:ext cx="1815840" cy="408600"/>
+            <a:off x="-583560" y="3642840"/>
+            <a:ext cx="1815480" cy="408240"/>
           </a:xfrm>
           <a:custGeom>
             <a:avLst/>
@@ -19366,7 +19981,7 @@
         <p:spPr>
           <a:xfrm>
             <a:off x="6123600" y="5917680"/>
-            <a:ext cx="1113480" cy="774000"/>
+            <a:ext cx="1113120" cy="773640"/>
           </a:xfrm>
           <a:custGeom>
             <a:avLst/>
@@ -20241,7 +20856,7 @@
         <p:spPr>
           <a:xfrm>
             <a:off x="5614920" y="6330240"/>
-            <a:ext cx="245880" cy="245880"/>
+            <a:ext cx="245520" cy="245520"/>
           </a:xfrm>
           <a:prstGeom prst="ellipse">
             <a:avLst/>
@@ -20268,8 +20883,8 @@
         </p:nvSpPr>
         <p:spPr>
           <a:xfrm rot="2662200">
-            <a:off x="-41760" y="455400"/>
-            <a:ext cx="1014840" cy="498960"/>
+            <a:off x="-41400" y="455040"/>
+            <a:ext cx="1014480" cy="498600"/>
           </a:xfrm>
           <a:custGeom>
             <a:avLst/>
@@ -20322,8 +20937,8 @@
         </p:nvSpPr>
         <p:spPr>
           <a:xfrm rot="16200000">
-            <a:off x="641520" y="5896080"/>
-            <a:ext cx="302400" cy="1038600"/>
+            <a:off x="641520" y="5896440"/>
+            <a:ext cx="302040" cy="1038240"/>
           </a:xfrm>
           <a:prstGeom prst="rect">
             <a:avLst/>
@@ -20351,7 +20966,7 @@
         <p:spPr>
           <a:xfrm>
             <a:off x="254520" y="5616720"/>
-            <a:ext cx="478800" cy="456120"/>
+            <a:ext cx="478440" cy="455760"/>
           </a:xfrm>
           <a:prstGeom prst="rect">
             <a:avLst/>
@@ -20379,7 +20994,7 @@
         <p:spPr>
           <a:xfrm rot="14021400">
             <a:off x="844560" y="5974920"/>
-            <a:ext cx="1397520" cy="721800"/>
+            <a:ext cx="1397160" cy="721440"/>
           </a:xfrm>
           <a:custGeom>
             <a:avLst/>
@@ -20432,8 +21047,8 @@
         </p:nvSpPr>
         <p:spPr>
           <a:xfrm flipH="1" rot="5400000">
-            <a:off x="-678960" y="6349320"/>
-            <a:ext cx="1578600" cy="343080"/>
+            <a:off x="-678960" y="6349680"/>
+            <a:ext cx="1578240" cy="342720"/>
           </a:xfrm>
           <a:prstGeom prst="rect">
             <a:avLst/>
@@ -20490,8 +21105,8 @@
         </p:nvSpPr>
         <p:spPr>
           <a:xfrm>
-            <a:off x="2073240" y="821880"/>
-            <a:ext cx="9702000" cy="762480"/>
+            <a:off x="609480" y="273600"/>
+            <a:ext cx="10972080" cy="1144440"/>
           </a:xfrm>
           <a:prstGeom prst="rect">
             <a:avLst/>
@@ -20526,8 +21141,8 @@
         </p:nvSpPr>
         <p:spPr>
           <a:xfrm>
-            <a:off x="2073240" y="1765080"/>
-            <a:ext cx="4734360" cy="4554000"/>
+            <a:off x="609480" y="1604520"/>
+            <a:ext cx="5353920" cy="3976920"/>
           </a:xfrm>
           <a:prstGeom prst="rect">
             <a:avLst/>
@@ -20553,7 +21168,13 @@
               <a:rPr b="0" lang="en-US" sz="1800" spc="-1" strike="noStrike">
                 <a:latin typeface="Arial"/>
               </a:rPr>
-              <a:t>Click to edit the outline text format</a:t>
+              <a:t>Click to edit the </a:t>
+            </a:r>
+            <a:r>
+              <a:rPr b="0" lang="en-US" sz="1800" spc="-1" strike="noStrike">
+                <a:latin typeface="Arial"/>
+              </a:rPr>
+              <a:t>outline text format</a:t>
             </a:r>
             <a:endParaRPr b="0" lang="en-US" sz="1800" spc="-1" strike="noStrike">
               <a:latin typeface="Arial"/>
@@ -20575,7 +21196,13 @@
               <a:rPr b="0" lang="en-US" sz="1800" spc="-1" strike="noStrike">
                 <a:latin typeface="Arial"/>
               </a:rPr>
-              <a:t>Second Outline Level</a:t>
+              <a:t>Second Outline </a:t>
+            </a:r>
+            <a:r>
+              <a:rPr b="0" lang="en-US" sz="1800" spc="-1" strike="noStrike">
+                <a:latin typeface="Arial"/>
+              </a:rPr>
+              <a:t>Level</a:t>
             </a:r>
             <a:endParaRPr b="0" lang="en-US" sz="1800" spc="-1" strike="noStrike">
               <a:latin typeface="Arial"/>
@@ -20597,7 +21224,13 @@
               <a:rPr b="0" lang="en-US" sz="1800" spc="-1" strike="noStrike">
                 <a:latin typeface="Arial"/>
               </a:rPr>
-              <a:t>Third Outline Level</a:t>
+              <a:t>Third Outline </a:t>
+            </a:r>
+            <a:r>
+              <a:rPr b="0" lang="en-US" sz="1800" spc="-1" strike="noStrike">
+                <a:latin typeface="Arial"/>
+              </a:rPr>
+              <a:t>Level</a:t>
             </a:r>
             <a:endParaRPr b="0" lang="en-US" sz="1800" spc="-1" strike="noStrike">
               <a:latin typeface="Arial"/>
@@ -20619,7 +21252,19 @@
               <a:rPr b="0" lang="en-US" sz="1800" spc="-1" strike="noStrike">
                 <a:latin typeface="Arial"/>
               </a:rPr>
-              <a:t>Fourth Outline Level</a:t>
+              <a:t>Fourth </a:t>
+            </a:r>
+            <a:r>
+              <a:rPr b="0" lang="en-US" sz="1800" spc="-1" strike="noStrike">
+                <a:latin typeface="Arial"/>
+              </a:rPr>
+              <a:t>Outline </a:t>
+            </a:r>
+            <a:r>
+              <a:rPr b="0" lang="en-US" sz="1800" spc="-1" strike="noStrike">
+                <a:latin typeface="Arial"/>
+              </a:rPr>
+              <a:t>Level</a:t>
             </a:r>
             <a:endParaRPr b="0" lang="en-US" sz="1800" spc="-1" strike="noStrike">
               <a:latin typeface="Arial"/>
@@ -20641,7 +21286,31 @@
               <a:rPr b="0" lang="en-US" sz="1800" spc="-1" strike="noStrike">
                 <a:latin typeface="Arial"/>
               </a:rPr>
-              <a:t>Fifth Outline Level</a:t>
+              <a:t>Fifth </a:t>
+            </a:r>
+            <a:r>
+              <a:rPr b="0" lang="en-US" sz="1800" spc="-1" strike="noStrike">
+                <a:latin typeface="Arial"/>
+              </a:rPr>
+              <a:t>Outl</a:t>
+            </a:r>
+            <a:r>
+              <a:rPr b="0" lang="en-US" sz="1800" spc="-1" strike="noStrike">
+                <a:latin typeface="Arial"/>
+              </a:rPr>
+              <a:t>ine </a:t>
+            </a:r>
+            <a:r>
+              <a:rPr b="0" lang="en-US" sz="1800" spc="-1" strike="noStrike">
+                <a:latin typeface="Arial"/>
+              </a:rPr>
+              <a:t>Lev</a:t>
+            </a:r>
+            <a:r>
+              <a:rPr b="0" lang="en-US" sz="1800" spc="-1" strike="noStrike">
+                <a:latin typeface="Arial"/>
+              </a:rPr>
+              <a:t>el</a:t>
             </a:r>
             <a:endParaRPr b="0" lang="en-US" sz="1800" spc="-1" strike="noStrike">
               <a:latin typeface="Arial"/>
@@ -20663,7 +21332,115 @@
               <a:rPr b="0" lang="en-US" sz="1800" spc="-1" strike="noStrike">
                 <a:latin typeface="Arial"/>
               </a:rPr>
-              <a:t>Sixth Outline Level</a:t>
+              <a:t>S</a:t>
+            </a:r>
+            <a:r>
+              <a:rPr b="0" lang="en-US" sz="1800" spc="-1" strike="noStrike">
+                <a:latin typeface="Arial"/>
+              </a:rPr>
+              <a:t>i</a:t>
+            </a:r>
+            <a:r>
+              <a:rPr b="0" lang="en-US" sz="1800" spc="-1" strike="noStrike">
+                <a:latin typeface="Arial"/>
+              </a:rPr>
+              <a:t>x</a:t>
+            </a:r>
+            <a:r>
+              <a:rPr b="0" lang="en-US" sz="1800" spc="-1" strike="noStrike">
+                <a:latin typeface="Arial"/>
+              </a:rPr>
+              <a:t>t</a:t>
+            </a:r>
+            <a:r>
+              <a:rPr b="0" lang="en-US" sz="1800" spc="-1" strike="noStrike">
+                <a:latin typeface="Arial"/>
+              </a:rPr>
+              <a:t>h</a:t>
+            </a:r>
+            <a:r>
+              <a:rPr b="0" lang="en-US" sz="1800" spc="-1" strike="noStrike">
+                <a:latin typeface="Arial"/>
+              </a:rPr>
+              <a:t> </a:t>
+            </a:r>
+            <a:r>
+              <a:rPr b="0" lang="en-US" sz="1800" spc="-1" strike="noStrike">
+                <a:latin typeface="Arial"/>
+              </a:rPr>
+              <a:t>O</a:t>
+            </a:r>
+            <a:r>
+              <a:rPr b="0" lang="en-US" sz="1800" spc="-1" strike="noStrike">
+                <a:latin typeface="Arial"/>
+              </a:rPr>
+              <a:t>u</a:t>
+            </a:r>
+            <a:r>
+              <a:rPr b="0" lang="en-US" sz="1800" spc="-1" strike="noStrike">
+                <a:latin typeface="Arial"/>
+              </a:rPr>
+              <a:t>t</a:t>
+            </a:r>
+            <a:r>
+              <a:rPr b="0" lang="en-US" sz="1800" spc="-1" strike="noStrike">
+                <a:latin typeface="Arial"/>
+              </a:rPr>
+              <a:t>l</a:t>
+            </a:r>
+            <a:r>
+              <a:rPr b="0" lang="en-US" sz="1800" spc="-1" strike="noStrike">
+                <a:latin typeface="Arial"/>
+              </a:rPr>
+              <a:t>i</a:t>
+            </a:r>
+            <a:r>
+              <a:rPr b="0" lang="en-US" sz="1800" spc="-1" strike="noStrike">
+                <a:latin typeface="Arial"/>
+              </a:rPr>
+              <a:t>n</a:t>
+            </a:r>
+            <a:r>
+              <a:rPr b="0" lang="en-US" sz="1800" spc="-1" strike="noStrike">
+                <a:latin typeface="Arial"/>
+              </a:rPr>
+              <a:t>e</a:t>
+            </a:r>
+            <a:r>
+              <a:rPr b="0" lang="en-US" sz="1800" spc="-1" strike="noStrike">
+                <a:latin typeface="Arial"/>
+              </a:rPr>
+              <a:t> </a:t>
+            </a:r>
+            <a:r>
+              <a:rPr b="0" lang="en-US" sz="1800" spc="-1" strike="noStrike">
+                <a:latin typeface="Arial"/>
+              </a:rPr>
+              <a:t>L</a:t>
+            </a:r>
+            <a:r>
+              <a:rPr b="0" lang="en-US" sz="1800" spc="-1" strike="noStrike">
+                <a:latin typeface="Arial"/>
+              </a:rPr>
+              <a:t>e</a:t>
+            </a:r>
+            <a:r>
+              <a:rPr b="0" lang="en-US" sz="1800" spc="-1" strike="noStrike">
+                <a:latin typeface="Arial"/>
+              </a:rPr>
+              <a:t>v</a:t>
+            </a:r>
+            <a:r>
+              <a:rPr b="0" lang="en-US" sz="1800" spc="-1" strike="noStrike">
+                <a:latin typeface="Arial"/>
+              </a:rPr>
+              <a:t>e</a:t>
+            </a:r>
+            <a:r>
+              <a:rPr b="0" lang="en-US" sz="1800" spc="-1" strike="noStrike">
+                <a:latin typeface="Arial"/>
+              </a:rPr>
+              <a:t>l</a:t>
             </a:r>
             <a:endParaRPr b="0" lang="en-US" sz="1800" spc="-1" strike="noStrike">
               <a:latin typeface="Arial"/>
@@ -20685,7 +21462,127 @@
               <a:rPr b="0" lang="en-US" sz="1800" spc="-1" strike="noStrike">
                 <a:latin typeface="Arial"/>
               </a:rPr>
-              <a:t>Seventh Outline Level</a:t>
+              <a:t>S</a:t>
+            </a:r>
+            <a:r>
+              <a:rPr b="0" lang="en-US" sz="1800" spc="-1" strike="noStrike">
+                <a:latin typeface="Arial"/>
+              </a:rPr>
+              <a:t>e</a:t>
+            </a:r>
+            <a:r>
+              <a:rPr b="0" lang="en-US" sz="1800" spc="-1" strike="noStrike">
+                <a:latin typeface="Arial"/>
+              </a:rPr>
+              <a:t>v</a:t>
+            </a:r>
+            <a:r>
+              <a:rPr b="0" lang="en-US" sz="1800" spc="-1" strike="noStrike">
+                <a:latin typeface="Arial"/>
+              </a:rPr>
+              <a:t>e</a:t>
+            </a:r>
+            <a:r>
+              <a:rPr b="0" lang="en-US" sz="1800" spc="-1" strike="noStrike">
+                <a:latin typeface="Arial"/>
+              </a:rPr>
+              <a:t>n</a:t>
+            </a:r>
+            <a:r>
+              <a:rPr b="0" lang="en-US" sz="1800" spc="-1" strike="noStrike">
+                <a:latin typeface="Arial"/>
+              </a:rPr>
+              <a:t>t</a:t>
+            </a:r>
+            <a:r>
+              <a:rPr b="0" lang="en-US" sz="1800" spc="-1" strike="noStrike">
+                <a:latin typeface="Arial"/>
+              </a:rPr>
+              <a:t>h</a:t>
+            </a:r>
+            <a:r>
+              <a:rPr b="0" lang="en-US" sz="1800" spc="-1" strike="noStrike">
+                <a:latin typeface="Arial"/>
+              </a:rPr>
+              <a:t> </a:t>
+            </a:r>
+            <a:r>
+              <a:rPr b="0" lang="en-US" sz="1800" spc="-1" strike="noStrike">
+                <a:latin typeface="Arial"/>
+              </a:rPr>
+              <a:t>O</a:t>
+            </a:r>
+            <a:r>
+              <a:rPr b="0" lang="en-US" sz="1800" spc="-1" strike="noStrike">
+                <a:latin typeface="Arial"/>
+              </a:rPr>
+              <a:t>u</a:t>
+            </a:r>
+            <a:r>
+              <a:rPr b="0" lang="en-US" sz="1800" spc="-1" strike="noStrike">
+                <a:latin typeface="Arial"/>
+              </a:rPr>
+              <a:t>t</a:t>
+            </a:r>
+            <a:r>
+              <a:rPr b="0" lang="en-US" sz="1800" spc="-1" strike="noStrike">
+                <a:latin typeface="Arial"/>
+              </a:rPr>
+              <a:t>l</a:t>
+            </a:r>
+            <a:r>
+              <a:rPr b="0" lang="en-US" sz="1800" spc="-1" strike="noStrike">
+                <a:latin typeface="Arial"/>
+              </a:rPr>
+              <a:t>i</a:t>
+            </a:r>
+            <a:r>
+              <a:rPr b="0" lang="en-US" sz="1800" spc="-1" strike="noStrike">
+                <a:latin typeface="Arial"/>
+              </a:rPr>
+              <a:t>n</a:t>
+            </a:r>
+            <a:r>
+              <a:rPr b="0" lang="en-US" sz="1800" spc="-1" strike="noStrike">
+                <a:latin typeface="Arial"/>
+              </a:rPr>
+              <a:t>e</a:t>
+            </a:r>
+            <a:r>
+              <a:rPr b="0" lang="en-US" sz="1800" spc="-1" strike="noStrike">
+                <a:latin typeface="Arial"/>
+              </a:rPr>
+              <a:t> </a:t>
+            </a:r>
+            <a:r>
+              <a:rPr b="0" lang="en-US" sz="1800" spc="-1" strike="noStrike">
+                <a:latin typeface="Arial"/>
+              </a:rPr>
+              <a:t>L</a:t>
+            </a:r>
+            <a:r>
+              <a:rPr b="0" lang="en-US" sz="1800" spc="-1" strike="noStrike">
+                <a:latin typeface="Arial"/>
+              </a:rPr>
+              <a:t>e</a:t>
+            </a:r>
+            <a:r>
+              <a:rPr b="0" lang="en-US" sz="1800" spc="-1" strike="noStrike">
+                <a:latin typeface="Arial"/>
+              </a:rPr>
+              <a:t>v</a:t>
+            </a:r>
+            <a:r>
+              <a:rPr b="0" lang="en-US" sz="1800" spc="-1" strike="noStrike">
+                <a:latin typeface="Arial"/>
+              </a:rPr>
+              <a:t>e</a:t>
+            </a:r>
+            <a:r>
+              <a:rPr b="0" lang="en-US" sz="1800" spc="-1" strike="noStrike">
+                <a:latin typeface="Arial"/>
+              </a:rPr>
+              <a:t>l</a:t>
             </a:r>
             <a:endParaRPr b="0" lang="en-US" sz="1800" spc="-1" strike="noStrike">
               <a:latin typeface="Arial"/>
@@ -20705,8 +21602,8 @@
         </p:nvSpPr>
         <p:spPr>
           <a:xfrm>
-            <a:off x="7045200" y="1765080"/>
-            <a:ext cx="4734360" cy="4554000"/>
+            <a:off x="6231960" y="1604520"/>
+            <a:ext cx="5353920" cy="3976920"/>
           </a:xfrm>
           <a:prstGeom prst="rect">
             <a:avLst/>
@@ -20732,7 +21629,13 @@
               <a:rPr b="0" lang="en-US" sz="1800" spc="-1" strike="noStrike">
                 <a:latin typeface="Arial"/>
               </a:rPr>
-              <a:t>Click to edit the outline text format</a:t>
+              <a:t>Click to edit the </a:t>
+            </a:r>
+            <a:r>
+              <a:rPr b="0" lang="en-US" sz="1800" spc="-1" strike="noStrike">
+                <a:latin typeface="Arial"/>
+              </a:rPr>
+              <a:t>outline text format</a:t>
             </a:r>
             <a:endParaRPr b="0" lang="en-US" sz="1800" spc="-1" strike="noStrike">
               <a:latin typeface="Arial"/>
@@ -20754,7 +21657,13 @@
               <a:rPr b="0" lang="en-US" sz="1800" spc="-1" strike="noStrike">
                 <a:latin typeface="Arial"/>
               </a:rPr>
-              <a:t>Second Outline Level</a:t>
+              <a:t>Second Outline </a:t>
+            </a:r>
+            <a:r>
+              <a:rPr b="0" lang="en-US" sz="1800" spc="-1" strike="noStrike">
+                <a:latin typeface="Arial"/>
+              </a:rPr>
+              <a:t>Level</a:t>
             </a:r>
             <a:endParaRPr b="0" lang="en-US" sz="1800" spc="-1" strike="noStrike">
               <a:latin typeface="Arial"/>
@@ -20776,7 +21685,13 @@
               <a:rPr b="0" lang="en-US" sz="1800" spc="-1" strike="noStrike">
                 <a:latin typeface="Arial"/>
               </a:rPr>
-              <a:t>Third Outline Level</a:t>
+              <a:t>Third Outline </a:t>
+            </a:r>
+            <a:r>
+              <a:rPr b="0" lang="en-US" sz="1800" spc="-1" strike="noStrike">
+                <a:latin typeface="Arial"/>
+              </a:rPr>
+              <a:t>Level</a:t>
             </a:r>
             <a:endParaRPr b="0" lang="en-US" sz="1800" spc="-1" strike="noStrike">
               <a:latin typeface="Arial"/>
@@ -20798,7 +21713,19 @@
               <a:rPr b="0" lang="en-US" sz="1800" spc="-1" strike="noStrike">
                 <a:latin typeface="Arial"/>
               </a:rPr>
-              <a:t>Fourth Outline Level</a:t>
+              <a:t>Fourth </a:t>
+            </a:r>
+            <a:r>
+              <a:rPr b="0" lang="en-US" sz="1800" spc="-1" strike="noStrike">
+                <a:latin typeface="Arial"/>
+              </a:rPr>
+              <a:t>Outline </a:t>
+            </a:r>
+            <a:r>
+              <a:rPr b="0" lang="en-US" sz="1800" spc="-1" strike="noStrike">
+                <a:latin typeface="Arial"/>
+              </a:rPr>
+              <a:t>Level</a:t>
             </a:r>
             <a:endParaRPr b="0" lang="en-US" sz="1800" spc="-1" strike="noStrike">
               <a:latin typeface="Arial"/>
@@ -20820,7 +21747,31 @@
               <a:rPr b="0" lang="en-US" sz="1800" spc="-1" strike="noStrike">
                 <a:latin typeface="Arial"/>
               </a:rPr>
-              <a:t>Fifth Outline Level</a:t>
+              <a:t>Fifth </a:t>
+            </a:r>
+            <a:r>
+              <a:rPr b="0" lang="en-US" sz="1800" spc="-1" strike="noStrike">
+                <a:latin typeface="Arial"/>
+              </a:rPr>
+              <a:t>Outl</a:t>
+            </a:r>
+            <a:r>
+              <a:rPr b="0" lang="en-US" sz="1800" spc="-1" strike="noStrike">
+                <a:latin typeface="Arial"/>
+              </a:rPr>
+              <a:t>ine </a:t>
+            </a:r>
+            <a:r>
+              <a:rPr b="0" lang="en-US" sz="1800" spc="-1" strike="noStrike">
+                <a:latin typeface="Arial"/>
+              </a:rPr>
+              <a:t>Lev</a:t>
+            </a:r>
+            <a:r>
+              <a:rPr b="0" lang="en-US" sz="1800" spc="-1" strike="noStrike">
+                <a:latin typeface="Arial"/>
+              </a:rPr>
+              <a:t>el</a:t>
             </a:r>
             <a:endParaRPr b="0" lang="en-US" sz="1800" spc="-1" strike="noStrike">
               <a:latin typeface="Arial"/>
@@ -20842,7 +21793,115 @@
               <a:rPr b="0" lang="en-US" sz="1800" spc="-1" strike="noStrike">
                 <a:latin typeface="Arial"/>
               </a:rPr>
-              <a:t>Sixth Outline Level</a:t>
+              <a:t>S</a:t>
+            </a:r>
+            <a:r>
+              <a:rPr b="0" lang="en-US" sz="1800" spc="-1" strike="noStrike">
+                <a:latin typeface="Arial"/>
+              </a:rPr>
+              <a:t>i</a:t>
+            </a:r>
+            <a:r>
+              <a:rPr b="0" lang="en-US" sz="1800" spc="-1" strike="noStrike">
+                <a:latin typeface="Arial"/>
+              </a:rPr>
+              <a:t>x</a:t>
+            </a:r>
+            <a:r>
+              <a:rPr b="0" lang="en-US" sz="1800" spc="-1" strike="noStrike">
+                <a:latin typeface="Arial"/>
+              </a:rPr>
+              <a:t>t</a:t>
+            </a:r>
+            <a:r>
+              <a:rPr b="0" lang="en-US" sz="1800" spc="-1" strike="noStrike">
+                <a:latin typeface="Arial"/>
+              </a:rPr>
+              <a:t>h</a:t>
+            </a:r>
+            <a:r>
+              <a:rPr b="0" lang="en-US" sz="1800" spc="-1" strike="noStrike">
+                <a:latin typeface="Arial"/>
+              </a:rPr>
+              <a:t> </a:t>
+            </a:r>
+            <a:r>
+              <a:rPr b="0" lang="en-US" sz="1800" spc="-1" strike="noStrike">
+                <a:latin typeface="Arial"/>
+              </a:rPr>
+              <a:t>O</a:t>
+            </a:r>
+            <a:r>
+              <a:rPr b="0" lang="en-US" sz="1800" spc="-1" strike="noStrike">
+                <a:latin typeface="Arial"/>
+              </a:rPr>
+              <a:t>u</a:t>
+            </a:r>
+            <a:r>
+              <a:rPr b="0" lang="en-US" sz="1800" spc="-1" strike="noStrike">
+                <a:latin typeface="Arial"/>
+              </a:rPr>
+              <a:t>t</a:t>
+            </a:r>
+            <a:r>
+              <a:rPr b="0" lang="en-US" sz="1800" spc="-1" strike="noStrike">
+                <a:latin typeface="Arial"/>
+              </a:rPr>
+              <a:t>l</a:t>
+            </a:r>
+            <a:r>
+              <a:rPr b="0" lang="en-US" sz="1800" spc="-1" strike="noStrike">
+                <a:latin typeface="Arial"/>
+              </a:rPr>
+              <a:t>i</a:t>
+            </a:r>
+            <a:r>
+              <a:rPr b="0" lang="en-US" sz="1800" spc="-1" strike="noStrike">
+                <a:latin typeface="Arial"/>
+              </a:rPr>
+              <a:t>n</a:t>
+            </a:r>
+            <a:r>
+              <a:rPr b="0" lang="en-US" sz="1800" spc="-1" strike="noStrike">
+                <a:latin typeface="Arial"/>
+              </a:rPr>
+              <a:t>e</a:t>
+            </a:r>
+            <a:r>
+              <a:rPr b="0" lang="en-US" sz="1800" spc="-1" strike="noStrike">
+                <a:latin typeface="Arial"/>
+              </a:rPr>
+              <a:t> </a:t>
+            </a:r>
+            <a:r>
+              <a:rPr b="0" lang="en-US" sz="1800" spc="-1" strike="noStrike">
+                <a:latin typeface="Arial"/>
+              </a:rPr>
+              <a:t>L</a:t>
+            </a:r>
+            <a:r>
+              <a:rPr b="0" lang="en-US" sz="1800" spc="-1" strike="noStrike">
+                <a:latin typeface="Arial"/>
+              </a:rPr>
+              <a:t>e</a:t>
+            </a:r>
+            <a:r>
+              <a:rPr b="0" lang="en-US" sz="1800" spc="-1" strike="noStrike">
+                <a:latin typeface="Arial"/>
+              </a:rPr>
+              <a:t>v</a:t>
+            </a:r>
+            <a:r>
+              <a:rPr b="0" lang="en-US" sz="1800" spc="-1" strike="noStrike">
+                <a:latin typeface="Arial"/>
+              </a:rPr>
+              <a:t>e</a:t>
+            </a:r>
+            <a:r>
+              <a:rPr b="0" lang="en-US" sz="1800" spc="-1" strike="noStrike">
+                <a:latin typeface="Arial"/>
+              </a:rPr>
+              <a:t>l</a:t>
             </a:r>
             <a:endParaRPr b="0" lang="en-US" sz="1800" spc="-1" strike="noStrike">
               <a:latin typeface="Arial"/>
@@ -20864,7 +21923,127 @@
               <a:rPr b="0" lang="en-US" sz="1800" spc="-1" strike="noStrike">
                 <a:latin typeface="Arial"/>
               </a:rPr>
-              <a:t>Seventh Outline Level</a:t>
+              <a:t>S</a:t>
+            </a:r>
+            <a:r>
+              <a:rPr b="0" lang="en-US" sz="1800" spc="-1" strike="noStrike">
+                <a:latin typeface="Arial"/>
+              </a:rPr>
+              <a:t>e</a:t>
+            </a:r>
+            <a:r>
+              <a:rPr b="0" lang="en-US" sz="1800" spc="-1" strike="noStrike">
+                <a:latin typeface="Arial"/>
+              </a:rPr>
+              <a:t>v</a:t>
+            </a:r>
+            <a:r>
+              <a:rPr b="0" lang="en-US" sz="1800" spc="-1" strike="noStrike">
+                <a:latin typeface="Arial"/>
+              </a:rPr>
+              <a:t>e</a:t>
+            </a:r>
+            <a:r>
+              <a:rPr b="0" lang="en-US" sz="1800" spc="-1" strike="noStrike">
+                <a:latin typeface="Arial"/>
+              </a:rPr>
+              <a:t>n</a:t>
+            </a:r>
+            <a:r>
+              <a:rPr b="0" lang="en-US" sz="1800" spc="-1" strike="noStrike">
+                <a:latin typeface="Arial"/>
+              </a:rPr>
+              <a:t>t</a:t>
+            </a:r>
+            <a:r>
+              <a:rPr b="0" lang="en-US" sz="1800" spc="-1" strike="noStrike">
+                <a:latin typeface="Arial"/>
+              </a:rPr>
+              <a:t>h</a:t>
+            </a:r>
+            <a:r>
+              <a:rPr b="0" lang="en-US" sz="1800" spc="-1" strike="noStrike">
+                <a:latin typeface="Arial"/>
+              </a:rPr>
+              <a:t> </a:t>
+            </a:r>
+            <a:r>
+              <a:rPr b="0" lang="en-US" sz="1800" spc="-1" strike="noStrike">
+                <a:latin typeface="Arial"/>
+              </a:rPr>
+              <a:t>O</a:t>
+            </a:r>
+            <a:r>
+              <a:rPr b="0" lang="en-US" sz="1800" spc="-1" strike="noStrike">
+                <a:latin typeface="Arial"/>
+              </a:rPr>
+              <a:t>u</a:t>
+            </a:r>
+            <a:r>
+              <a:rPr b="0" lang="en-US" sz="1800" spc="-1" strike="noStrike">
+                <a:latin typeface="Arial"/>
+              </a:rPr>
+              <a:t>t</a:t>
+            </a:r>
+            <a:r>
+              <a:rPr b="0" lang="en-US" sz="1800" spc="-1" strike="noStrike">
+                <a:latin typeface="Arial"/>
+              </a:rPr>
+              <a:t>l</a:t>
+            </a:r>
+            <a:r>
+              <a:rPr b="0" lang="en-US" sz="1800" spc="-1" strike="noStrike">
+                <a:latin typeface="Arial"/>
+              </a:rPr>
+              <a:t>i</a:t>
+            </a:r>
+            <a:r>
+              <a:rPr b="0" lang="en-US" sz="1800" spc="-1" strike="noStrike">
+                <a:latin typeface="Arial"/>
+              </a:rPr>
+              <a:t>n</a:t>
+            </a:r>
+            <a:r>
+              <a:rPr b="0" lang="en-US" sz="1800" spc="-1" strike="noStrike">
+                <a:latin typeface="Arial"/>
+              </a:rPr>
+              <a:t>e</a:t>
+            </a:r>
+            <a:r>
+              <a:rPr b="0" lang="en-US" sz="1800" spc="-1" strike="noStrike">
+                <a:latin typeface="Arial"/>
+              </a:rPr>
+              <a:t> </a:t>
+            </a:r>
+            <a:r>
+              <a:rPr b="0" lang="en-US" sz="1800" spc="-1" strike="noStrike">
+                <a:latin typeface="Arial"/>
+              </a:rPr>
+              <a:t>L</a:t>
+            </a:r>
+            <a:r>
+              <a:rPr b="0" lang="en-US" sz="1800" spc="-1" strike="noStrike">
+                <a:latin typeface="Arial"/>
+              </a:rPr>
+              <a:t>e</a:t>
+            </a:r>
+            <a:r>
+              <a:rPr b="0" lang="en-US" sz="1800" spc="-1" strike="noStrike">
+                <a:latin typeface="Arial"/>
+              </a:rPr>
+              <a:t>v</a:t>
+            </a:r>
+            <a:r>
+              <a:rPr b="0" lang="en-US" sz="1800" spc="-1" strike="noStrike">
+                <a:latin typeface="Arial"/>
+              </a:rPr>
+              <a:t>e</a:t>
+            </a:r>
+            <a:r>
+              <a:rPr b="0" lang="en-US" sz="1800" spc="-1" strike="noStrike">
+                <a:latin typeface="Arial"/>
+              </a:rPr>
+              <a:t>l</a:t>
             </a:r>
             <a:endParaRPr b="0" lang="en-US" sz="1800" spc="-1" strike="noStrike">
               <a:latin typeface="Arial"/>
@@ -20925,7 +22104,7 @@
         <p:spPr>
           <a:xfrm>
             <a:off x="11498760" y="6251400"/>
-            <a:ext cx="478800" cy="456120"/>
+            <a:ext cx="478440" cy="455760"/>
           </a:xfrm>
           <a:prstGeom prst="rect">
             <a:avLst/>
@@ -20952,8 +22131,8 @@
         </p:nvSpPr>
         <p:spPr>
           <a:xfrm rot="10800000">
-            <a:off x="11021400" y="129240"/>
-            <a:ext cx="302400" cy="1038600"/>
+            <a:off x="11021760" y="129240"/>
+            <a:ext cx="302040" cy="1038240"/>
           </a:xfrm>
           <a:prstGeom prst="rect">
             <a:avLst/>
@@ -20981,7 +22160,7 @@
         <p:spPr>
           <a:xfrm>
             <a:off x="495720" y="346320"/>
-            <a:ext cx="475560" cy="475560"/>
+            <a:ext cx="475200" cy="475200"/>
           </a:xfrm>
           <a:prstGeom prst="ellipse">
             <a:avLst/>
@@ -21008,8 +22187,8 @@
         </p:nvSpPr>
         <p:spPr>
           <a:xfrm rot="5400000">
-            <a:off x="-49680" y="972000"/>
-            <a:ext cx="730440" cy="629640"/>
+            <a:off x="-49320" y="972000"/>
+            <a:ext cx="730080" cy="629280"/>
           </a:xfrm>
           <a:prstGeom prst="triangle">
             <a:avLst>
@@ -21038,8 +22217,8 @@
         </p:nvSpPr>
         <p:spPr>
           <a:xfrm rot="16200000">
-            <a:off x="410040" y="1366200"/>
-            <a:ext cx="730440" cy="629640"/>
+            <a:off x="410040" y="1366560"/>
+            <a:ext cx="730080" cy="629280"/>
           </a:xfrm>
           <a:prstGeom prst="triangle">
             <a:avLst>
@@ -21069,8 +22248,8 @@
         </p:nvSpPr>
         <p:spPr>
           <a:xfrm rot="5400000">
-            <a:off x="1359000" y="-685800"/>
-            <a:ext cx="1012680" cy="1370520"/>
+            <a:off x="1359360" y="-685800"/>
+            <a:ext cx="1012320" cy="1370160"/>
           </a:xfrm>
           <a:prstGeom prst="triangle">
             <a:avLst>
@@ -21101,7 +22280,7 @@
         <p:spPr>
           <a:xfrm>
             <a:off x="768600" y="2683800"/>
-            <a:ext cx="380520" cy="395640"/>
+            <a:ext cx="380160" cy="395280"/>
           </a:xfrm>
           <a:prstGeom prst="ellipse">
             <a:avLst/>
@@ -21130,7 +22309,7 @@
         <p:spPr>
           <a:xfrm rot="19903200">
             <a:off x="-252000" y="2291760"/>
-            <a:ext cx="1130400" cy="335880"/>
+            <a:ext cx="1130040" cy="335520"/>
           </a:xfrm>
           <a:prstGeom prst="rect">
             <a:avLst/>
@@ -21157,8 +22336,8 @@
         </p:nvSpPr>
         <p:spPr>
           <a:xfrm rot="20300400">
-            <a:off x="1780200" y="-185400"/>
-            <a:ext cx="1047240" cy="956160"/>
+            <a:off x="1780200" y="-185040"/>
+            <a:ext cx="1046880" cy="955800"/>
           </a:xfrm>
           <a:prstGeom prst="pie">
             <a:avLst>
@@ -21190,7 +22369,7 @@
         <p:spPr>
           <a:xfrm>
             <a:off x="3008880" y="0"/>
-            <a:ext cx="1815840" cy="216720"/>
+            <a:ext cx="1815480" cy="216360"/>
           </a:xfrm>
           <a:custGeom>
             <a:avLst/>
@@ -21752,8 +22931,8 @@
         </p:nvSpPr>
         <p:spPr>
           <a:xfrm rot="5400000">
-            <a:off x="-584280" y="3642840"/>
-            <a:ext cx="1815840" cy="408600"/>
+            <a:off x="-583560" y="3642840"/>
+            <a:ext cx="1815480" cy="408240"/>
           </a:xfrm>
           <a:custGeom>
             <a:avLst/>
@@ -22580,7 +23759,7 @@
         <p:spPr>
           <a:xfrm>
             <a:off x="11465640" y="876240"/>
-            <a:ext cx="245880" cy="245880"/>
+            <a:ext cx="245520" cy="245520"/>
           </a:xfrm>
           <a:prstGeom prst="ellipse">
             <a:avLst/>
@@ -22607,8 +23786,8 @@
         </p:nvSpPr>
         <p:spPr>
           <a:xfrm rot="2662200">
-            <a:off x="-41760" y="455400"/>
-            <a:ext cx="1014840" cy="498960"/>
+            <a:off x="-41400" y="455040"/>
+            <a:ext cx="1014480" cy="498600"/>
           </a:xfrm>
           <a:custGeom>
             <a:avLst/>
@@ -22661,8 +23840,8 @@
         </p:nvSpPr>
         <p:spPr>
           <a:xfrm rot="16200000">
-            <a:off x="641520" y="5896080"/>
-            <a:ext cx="302400" cy="1038600"/>
+            <a:off x="641520" y="5896440"/>
+            <a:ext cx="302040" cy="1038240"/>
           </a:xfrm>
           <a:prstGeom prst="rect">
             <a:avLst/>
@@ -22690,7 +23869,7 @@
         <p:spPr>
           <a:xfrm>
             <a:off x="254520" y="5616720"/>
-            <a:ext cx="478800" cy="456120"/>
+            <a:ext cx="478440" cy="455760"/>
           </a:xfrm>
           <a:prstGeom prst="rect">
             <a:avLst/>
@@ -22718,7 +23897,7 @@
         <p:spPr>
           <a:xfrm rot="14021400">
             <a:off x="844560" y="5974920"/>
-            <a:ext cx="1397520" cy="721800"/>
+            <a:ext cx="1397160" cy="721440"/>
           </a:xfrm>
           <a:custGeom>
             <a:avLst/>
@@ -22771,8 +23950,8 @@
         </p:nvSpPr>
         <p:spPr>
           <a:xfrm rot="10800000">
-            <a:off x="11228400" y="5364000"/>
-            <a:ext cx="475560" cy="475560"/>
+            <a:off x="11228760" y="5364360"/>
+            <a:ext cx="475200" cy="475200"/>
           </a:xfrm>
           <a:prstGeom prst="ellipse">
             <a:avLst/>
@@ -22799,8 +23978,8 @@
         </p:nvSpPr>
         <p:spPr>
           <a:xfrm rot="16200000">
-            <a:off x="11518920" y="4584240"/>
-            <a:ext cx="730440" cy="629640"/>
+            <a:off x="11518920" y="4584600"/>
+            <a:ext cx="730080" cy="629280"/>
           </a:xfrm>
           <a:prstGeom prst="triangle">
             <a:avLst>
@@ -22829,8 +24008,8 @@
         </p:nvSpPr>
         <p:spPr>
           <a:xfrm rot="5400000">
-            <a:off x="11059200" y="4190400"/>
-            <a:ext cx="730440" cy="629640"/>
+            <a:off x="11059560" y="4190400"/>
+            <a:ext cx="730080" cy="629280"/>
           </a:xfrm>
           <a:prstGeom prst="triangle">
             <a:avLst>
@@ -22860,8 +24039,8 @@
         </p:nvSpPr>
         <p:spPr>
           <a:xfrm rot="16200000">
-            <a:off x="9828000" y="5501160"/>
-            <a:ext cx="1012680" cy="1370520"/>
+            <a:off x="9828000" y="5501520"/>
+            <a:ext cx="1012320" cy="1370160"/>
           </a:xfrm>
           <a:prstGeom prst="triangle">
             <a:avLst>
@@ -22891,8 +24070,8 @@
         </p:nvSpPr>
         <p:spPr>
           <a:xfrm rot="10800000">
-            <a:off x="11050560" y="3106440"/>
-            <a:ext cx="380520" cy="395640"/>
+            <a:off x="11050920" y="3106800"/>
+            <a:ext cx="380160" cy="395280"/>
           </a:xfrm>
           <a:prstGeom prst="ellipse">
             <a:avLst/>
@@ -22921,7 +24100,7 @@
         <p:spPr>
           <a:xfrm rot="9102600">
             <a:off x="11319120" y="3548160"/>
-            <a:ext cx="1167480" cy="335880"/>
+            <a:ext cx="1167120" cy="335520"/>
           </a:xfrm>
           <a:prstGeom prst="rect">
             <a:avLst/>
@@ -22949,7 +24128,7 @@
         <p:spPr>
           <a:xfrm rot="9500400">
             <a:off x="9371160" y="5415480"/>
-            <a:ext cx="1047240" cy="956160"/>
+            <a:ext cx="1046880" cy="955800"/>
           </a:xfrm>
           <a:prstGeom prst="pie">
             <a:avLst>
@@ -22980,8 +24159,8 @@
         </p:nvSpPr>
         <p:spPr>
           <a:xfrm rot="10800000">
-            <a:off x="8016840" y="6532920"/>
-            <a:ext cx="1815840" cy="216720"/>
+            <a:off x="8017200" y="6533280"/>
+            <a:ext cx="1815480" cy="216360"/>
           </a:xfrm>
           <a:custGeom>
             <a:avLst/>
@@ -23543,8 +24722,8 @@
         </p:nvSpPr>
         <p:spPr>
           <a:xfrm rot="16200000">
-            <a:off x="10968840" y="2134080"/>
-            <a:ext cx="1815840" cy="408600"/>
+            <a:off x="10968840" y="2134440"/>
+            <a:ext cx="1815480" cy="408240"/>
           </a:xfrm>
           <a:custGeom>
             <a:avLst/>
@@ -24370,8 +25549,8 @@
         </p:nvSpPr>
         <p:spPr>
           <a:xfrm rot="13462200">
-            <a:off x="11226600" y="5230800"/>
-            <a:ext cx="1014840" cy="498960"/>
+            <a:off x="11226600" y="5231160"/>
+            <a:ext cx="1014480" cy="498600"/>
           </a:xfrm>
           <a:custGeom>
             <a:avLst/>
@@ -24424,8 +25603,8 @@
         </p:nvSpPr>
         <p:spPr>
           <a:xfrm rot="10800000">
-            <a:off x="11466720" y="112320"/>
-            <a:ext cx="478800" cy="456120"/>
+            <a:off x="11467080" y="112320"/>
+            <a:ext cx="478440" cy="455760"/>
           </a:xfrm>
           <a:prstGeom prst="rect">
             <a:avLst/>
@@ -24452,8 +25631,8 @@
         </p:nvSpPr>
         <p:spPr>
           <a:xfrm flipH="1" rot="5400000">
-            <a:off x="-678960" y="6349320"/>
-            <a:ext cx="1578600" cy="343080"/>
+            <a:off x="-678960" y="6349680"/>
+            <a:ext cx="1578240" cy="342720"/>
           </a:xfrm>
           <a:prstGeom prst="rect">
             <a:avLst/>
@@ -24574,7 +25753,19 @@
               <a:rPr b="0" lang="en-US" sz="3200" spc="-1" strike="noStrike">
                 <a:latin typeface="Arial"/>
               </a:rPr>
-              <a:t>Click to edit the outline text format</a:t>
+              <a:t>Click to edit </a:t>
+            </a:r>
+            <a:r>
+              <a:rPr b="0" lang="en-US" sz="3200" spc="-1" strike="noStrike">
+                <a:latin typeface="Arial"/>
+              </a:rPr>
+              <a:t>the outline </a:t>
+            </a:r>
+            <a:r>
+              <a:rPr b="0" lang="en-US" sz="3200" spc="-1" strike="noStrike">
+                <a:latin typeface="Arial"/>
+              </a:rPr>
+              <a:t>text format</a:t>
             </a:r>
             <a:endParaRPr b="0" lang="en-US" sz="3200" spc="-1" strike="noStrike">
               <a:latin typeface="Arial"/>
@@ -24596,7 +25787,19 @@
               <a:rPr b="0" lang="en-US" sz="2800" spc="-1" strike="noStrike">
                 <a:latin typeface="Arial"/>
               </a:rPr>
-              <a:t>Second Outline Level</a:t>
+              <a:t>Second </a:t>
+            </a:r>
+            <a:r>
+              <a:rPr b="0" lang="en-US" sz="2800" spc="-1" strike="noStrike">
+                <a:latin typeface="Arial"/>
+              </a:rPr>
+              <a:t>Outline </a:t>
+            </a:r>
+            <a:r>
+              <a:rPr b="0" lang="en-US" sz="2800" spc="-1" strike="noStrike">
+                <a:latin typeface="Arial"/>
+              </a:rPr>
+              <a:t>Level</a:t>
             </a:r>
             <a:endParaRPr b="0" lang="en-US" sz="2800" spc="-1" strike="noStrike">
               <a:latin typeface="Arial"/>
@@ -24618,7 +25821,19 @@
               <a:rPr b="0" lang="en-US" sz="2400" spc="-1" strike="noStrike">
                 <a:latin typeface="Arial"/>
               </a:rPr>
-              <a:t>Third Outline Level</a:t>
+              <a:t>Third </a:t>
+            </a:r>
+            <a:r>
+              <a:rPr b="0" lang="en-US" sz="2400" spc="-1" strike="noStrike">
+                <a:latin typeface="Arial"/>
+              </a:rPr>
+              <a:t>Outline </a:t>
+            </a:r>
+            <a:r>
+              <a:rPr b="0" lang="en-US" sz="2400" spc="-1" strike="noStrike">
+                <a:latin typeface="Arial"/>
+              </a:rPr>
+              <a:t>Level</a:t>
             </a:r>
             <a:endParaRPr b="0" lang="en-US" sz="2400" spc="-1" strike="noStrike">
               <a:latin typeface="Arial"/>
@@ -24640,7 +25855,19 @@
               <a:rPr b="0" lang="en-US" sz="2000" spc="-1" strike="noStrike">
                 <a:latin typeface="Arial"/>
               </a:rPr>
-              <a:t>Fourth Outline Level</a:t>
+              <a:t>Fourth </a:t>
+            </a:r>
+            <a:r>
+              <a:rPr b="0" lang="en-US" sz="2000" spc="-1" strike="noStrike">
+                <a:latin typeface="Arial"/>
+              </a:rPr>
+              <a:t>Outline </a:t>
+            </a:r>
+            <a:r>
+              <a:rPr b="0" lang="en-US" sz="2000" spc="-1" strike="noStrike">
+                <a:latin typeface="Arial"/>
+              </a:rPr>
+              <a:t>Level</a:t>
             </a:r>
             <a:endParaRPr b="0" lang="en-US" sz="2000" spc="-1" strike="noStrike">
               <a:latin typeface="Arial"/>
@@ -24662,7 +25889,37 @@
               <a:rPr b="0" lang="en-US" sz="2000" spc="-1" strike="noStrike">
                 <a:latin typeface="Arial"/>
               </a:rPr>
-              <a:t>Fifth Outline Level</a:t>
+              <a:t>Fift</a:t>
+            </a:r>
+            <a:r>
+              <a:rPr b="0" lang="en-US" sz="2000" spc="-1" strike="noStrike">
+                <a:latin typeface="Arial"/>
+              </a:rPr>
+              <a:t>h </a:t>
+            </a:r>
+            <a:r>
+              <a:rPr b="0" lang="en-US" sz="2000" spc="-1" strike="noStrike">
+                <a:latin typeface="Arial"/>
+              </a:rPr>
+              <a:t>Out</a:t>
+            </a:r>
+            <a:r>
+              <a:rPr b="0" lang="en-US" sz="2000" spc="-1" strike="noStrike">
+                <a:latin typeface="Arial"/>
+              </a:rPr>
+              <a:t>line </a:t>
+            </a:r>
+            <a:r>
+              <a:rPr b="0" lang="en-US" sz="2000" spc="-1" strike="noStrike">
+                <a:latin typeface="Arial"/>
+              </a:rPr>
+              <a:t>Lev</a:t>
+            </a:r>
+            <a:r>
+              <a:rPr b="0" lang="en-US" sz="2000" spc="-1" strike="noStrike">
+                <a:latin typeface="Arial"/>
+              </a:rPr>
+              <a:t>el</a:t>
             </a:r>
             <a:endParaRPr b="0" lang="en-US" sz="2000" spc="-1" strike="noStrike">
               <a:latin typeface="Arial"/>
@@ -24684,7 +25941,115 @@
               <a:rPr b="0" lang="en-US" sz="2000" spc="-1" strike="noStrike">
                 <a:latin typeface="Arial"/>
               </a:rPr>
-              <a:t>Sixth Outline Level</a:t>
+              <a:t>S</a:t>
+            </a:r>
+            <a:r>
+              <a:rPr b="0" lang="en-US" sz="2000" spc="-1" strike="noStrike">
+                <a:latin typeface="Arial"/>
+              </a:rPr>
+              <a:t>i</a:t>
+            </a:r>
+            <a:r>
+              <a:rPr b="0" lang="en-US" sz="2000" spc="-1" strike="noStrike">
+                <a:latin typeface="Arial"/>
+              </a:rPr>
+              <a:t>x</a:t>
+            </a:r>
+            <a:r>
+              <a:rPr b="0" lang="en-US" sz="2000" spc="-1" strike="noStrike">
+                <a:latin typeface="Arial"/>
+              </a:rPr>
+              <a:t>t</a:t>
+            </a:r>
+            <a:r>
+              <a:rPr b="0" lang="en-US" sz="2000" spc="-1" strike="noStrike">
+                <a:latin typeface="Arial"/>
+              </a:rPr>
+              <a:t>h</a:t>
+            </a:r>
+            <a:r>
+              <a:rPr b="0" lang="en-US" sz="2000" spc="-1" strike="noStrike">
+                <a:latin typeface="Arial"/>
+              </a:rPr>
+              <a:t> </a:t>
+            </a:r>
+            <a:r>
+              <a:rPr b="0" lang="en-US" sz="2000" spc="-1" strike="noStrike">
+                <a:latin typeface="Arial"/>
+              </a:rPr>
+              <a:t>O</a:t>
+            </a:r>
+            <a:r>
+              <a:rPr b="0" lang="en-US" sz="2000" spc="-1" strike="noStrike">
+                <a:latin typeface="Arial"/>
+              </a:rPr>
+              <a:t>u</a:t>
+            </a:r>
+            <a:r>
+              <a:rPr b="0" lang="en-US" sz="2000" spc="-1" strike="noStrike">
+                <a:latin typeface="Arial"/>
+              </a:rPr>
+              <a:t>t</a:t>
+            </a:r>
+            <a:r>
+              <a:rPr b="0" lang="en-US" sz="2000" spc="-1" strike="noStrike">
+                <a:latin typeface="Arial"/>
+              </a:rPr>
+              <a:t>l</a:t>
+            </a:r>
+            <a:r>
+              <a:rPr b="0" lang="en-US" sz="2000" spc="-1" strike="noStrike">
+                <a:latin typeface="Arial"/>
+              </a:rPr>
+              <a:t>i</a:t>
+            </a:r>
+            <a:r>
+              <a:rPr b="0" lang="en-US" sz="2000" spc="-1" strike="noStrike">
+                <a:latin typeface="Arial"/>
+              </a:rPr>
+              <a:t>n</a:t>
+            </a:r>
+            <a:r>
+              <a:rPr b="0" lang="en-US" sz="2000" spc="-1" strike="noStrike">
+                <a:latin typeface="Arial"/>
+              </a:rPr>
+              <a:t>e</a:t>
+            </a:r>
+            <a:r>
+              <a:rPr b="0" lang="en-US" sz="2000" spc="-1" strike="noStrike">
+                <a:latin typeface="Arial"/>
+              </a:rPr>
+              <a:t> </a:t>
+            </a:r>
+            <a:r>
+              <a:rPr b="0" lang="en-US" sz="2000" spc="-1" strike="noStrike">
+                <a:latin typeface="Arial"/>
+              </a:rPr>
+              <a:t>L</a:t>
+            </a:r>
+            <a:r>
+              <a:rPr b="0" lang="en-US" sz="2000" spc="-1" strike="noStrike">
+                <a:latin typeface="Arial"/>
+              </a:rPr>
+              <a:t>e</a:t>
+            </a:r>
+            <a:r>
+              <a:rPr b="0" lang="en-US" sz="2000" spc="-1" strike="noStrike">
+                <a:latin typeface="Arial"/>
+              </a:rPr>
+              <a:t>v</a:t>
+            </a:r>
+            <a:r>
+              <a:rPr b="0" lang="en-US" sz="2000" spc="-1" strike="noStrike">
+                <a:latin typeface="Arial"/>
+              </a:rPr>
+              <a:t>e</a:t>
+            </a:r>
+            <a:r>
+              <a:rPr b="0" lang="en-US" sz="2000" spc="-1" strike="noStrike">
+                <a:latin typeface="Arial"/>
+              </a:rPr>
+              <a:t>l</a:t>
             </a:r>
             <a:endParaRPr b="0" lang="en-US" sz="2000" spc="-1" strike="noStrike">
               <a:latin typeface="Arial"/>
@@ -24706,7 +26071,127 @@
               <a:rPr b="0" lang="en-US" sz="2000" spc="-1" strike="noStrike">
                 <a:latin typeface="Arial"/>
               </a:rPr>
-              <a:t>Seventh Outline Level</a:t>
+              <a:t>S</a:t>
+            </a:r>
+            <a:r>
+              <a:rPr b="0" lang="en-US" sz="2000" spc="-1" strike="noStrike">
+                <a:latin typeface="Arial"/>
+              </a:rPr>
+              <a:t>e</a:t>
+            </a:r>
+            <a:r>
+              <a:rPr b="0" lang="en-US" sz="2000" spc="-1" strike="noStrike">
+                <a:latin typeface="Arial"/>
+              </a:rPr>
+              <a:t>v</a:t>
+            </a:r>
+            <a:r>
+              <a:rPr b="0" lang="en-US" sz="2000" spc="-1" strike="noStrike">
+                <a:latin typeface="Arial"/>
+              </a:rPr>
+              <a:t>e</a:t>
+            </a:r>
+            <a:r>
+              <a:rPr b="0" lang="en-US" sz="2000" spc="-1" strike="noStrike">
+                <a:latin typeface="Arial"/>
+              </a:rPr>
+              <a:t>n</a:t>
+            </a:r>
+            <a:r>
+              <a:rPr b="0" lang="en-US" sz="2000" spc="-1" strike="noStrike">
+                <a:latin typeface="Arial"/>
+              </a:rPr>
+              <a:t>t</a:t>
+            </a:r>
+            <a:r>
+              <a:rPr b="0" lang="en-US" sz="2000" spc="-1" strike="noStrike">
+                <a:latin typeface="Arial"/>
+              </a:rPr>
+              <a:t>h</a:t>
+            </a:r>
+            <a:r>
+              <a:rPr b="0" lang="en-US" sz="2000" spc="-1" strike="noStrike">
+                <a:latin typeface="Arial"/>
+              </a:rPr>
+              <a:t> </a:t>
+            </a:r>
+            <a:r>
+              <a:rPr b="0" lang="en-US" sz="2000" spc="-1" strike="noStrike">
+                <a:latin typeface="Arial"/>
+              </a:rPr>
+              <a:t>O</a:t>
+            </a:r>
+            <a:r>
+              <a:rPr b="0" lang="en-US" sz="2000" spc="-1" strike="noStrike">
+                <a:latin typeface="Arial"/>
+              </a:rPr>
+              <a:t>u</a:t>
+            </a:r>
+            <a:r>
+              <a:rPr b="0" lang="en-US" sz="2000" spc="-1" strike="noStrike">
+                <a:latin typeface="Arial"/>
+              </a:rPr>
+              <a:t>t</a:t>
+            </a:r>
+            <a:r>
+              <a:rPr b="0" lang="en-US" sz="2000" spc="-1" strike="noStrike">
+                <a:latin typeface="Arial"/>
+              </a:rPr>
+              <a:t>l</a:t>
+            </a:r>
+            <a:r>
+              <a:rPr b="0" lang="en-US" sz="2000" spc="-1" strike="noStrike">
+                <a:latin typeface="Arial"/>
+              </a:rPr>
+              <a:t>i</a:t>
+            </a:r>
+            <a:r>
+              <a:rPr b="0" lang="en-US" sz="2000" spc="-1" strike="noStrike">
+                <a:latin typeface="Arial"/>
+              </a:rPr>
+              <a:t>n</a:t>
+            </a:r>
+            <a:r>
+              <a:rPr b="0" lang="en-US" sz="2000" spc="-1" strike="noStrike">
+                <a:latin typeface="Arial"/>
+              </a:rPr>
+              <a:t>e</a:t>
+            </a:r>
+            <a:r>
+              <a:rPr b="0" lang="en-US" sz="2000" spc="-1" strike="noStrike">
+                <a:latin typeface="Arial"/>
+              </a:rPr>
+              <a:t> </a:t>
+            </a:r>
+            <a:r>
+              <a:rPr b="0" lang="en-US" sz="2000" spc="-1" strike="noStrike">
+                <a:latin typeface="Arial"/>
+              </a:rPr>
+              <a:t>L</a:t>
+            </a:r>
+            <a:r>
+              <a:rPr b="0" lang="en-US" sz="2000" spc="-1" strike="noStrike">
+                <a:latin typeface="Arial"/>
+              </a:rPr>
+              <a:t>e</a:t>
+            </a:r>
+            <a:r>
+              <a:rPr b="0" lang="en-US" sz="2000" spc="-1" strike="noStrike">
+                <a:latin typeface="Arial"/>
+              </a:rPr>
+              <a:t>v</a:t>
+            </a:r>
+            <a:r>
+              <a:rPr b="0" lang="en-US" sz="2000" spc="-1" strike="noStrike">
+                <a:latin typeface="Arial"/>
+              </a:rPr>
+              <a:t>e</a:t>
+            </a:r>
+            <a:r>
+              <a:rPr b="0" lang="en-US" sz="2000" spc="-1" strike="noStrike">
+                <a:latin typeface="Arial"/>
+              </a:rPr>
+              <a:t>l</a:t>
             </a:r>
             <a:endParaRPr b="0" lang="en-US" sz="2000" spc="-1" strike="noStrike">
               <a:latin typeface="Arial"/>
@@ -24767,7 +26252,7 @@
         <p:spPr>
           <a:xfrm>
             <a:off x="11498760" y="6251400"/>
-            <a:ext cx="478800" cy="456120"/>
+            <a:ext cx="478440" cy="455760"/>
           </a:xfrm>
           <a:prstGeom prst="rect">
             <a:avLst/>
@@ -24795,7 +26280,7 @@
         <p:spPr>
           <a:xfrm>
             <a:off x="11498760" y="6251400"/>
-            <a:ext cx="478800" cy="456120"/>
+            <a:ext cx="478440" cy="455760"/>
           </a:xfrm>
           <a:prstGeom prst="rect">
             <a:avLst/>
@@ -24823,7 +26308,7 @@
         <p:spPr>
           <a:xfrm>
             <a:off x="495720" y="346320"/>
-            <a:ext cx="475560" cy="475560"/>
+            <a:ext cx="475200" cy="475200"/>
           </a:xfrm>
           <a:prstGeom prst="ellipse">
             <a:avLst/>
@@ -24850,8 +26335,8 @@
         </p:nvSpPr>
         <p:spPr>
           <a:xfrm rot="5400000">
-            <a:off x="-49680" y="972000"/>
-            <a:ext cx="730440" cy="629640"/>
+            <a:off x="-49320" y="972000"/>
+            <a:ext cx="730080" cy="629280"/>
           </a:xfrm>
           <a:prstGeom prst="triangle">
             <a:avLst>
@@ -24880,8 +26365,8 @@
         </p:nvSpPr>
         <p:spPr>
           <a:xfrm rot="16200000">
-            <a:off x="410040" y="1366200"/>
-            <a:ext cx="730440" cy="629640"/>
+            <a:off x="410040" y="1366560"/>
+            <a:ext cx="730080" cy="629280"/>
           </a:xfrm>
           <a:prstGeom prst="triangle">
             <a:avLst>
@@ -24911,8 +26396,8 @@
         </p:nvSpPr>
         <p:spPr>
           <a:xfrm rot="5400000">
-            <a:off x="1359000" y="-685800"/>
-            <a:ext cx="1012680" cy="1370520"/>
+            <a:off x="1359360" y="-685800"/>
+            <a:ext cx="1012320" cy="1370160"/>
           </a:xfrm>
           <a:prstGeom prst="triangle">
             <a:avLst>
@@ -24943,7 +26428,7 @@
         <p:spPr>
           <a:xfrm>
             <a:off x="768600" y="2683800"/>
-            <a:ext cx="380520" cy="395640"/>
+            <a:ext cx="380160" cy="395280"/>
           </a:xfrm>
           <a:prstGeom prst="ellipse">
             <a:avLst/>
@@ -24971,8 +26456,8 @@
         </p:nvSpPr>
         <p:spPr>
           <a:xfrm rot="19902600">
-            <a:off x="-373680" y="2322720"/>
-            <a:ext cx="1260360" cy="335880"/>
+            <a:off x="-373680" y="2322360"/>
+            <a:ext cx="1260000" cy="335520"/>
           </a:xfrm>
           <a:prstGeom prst="rect">
             <a:avLst/>
@@ -24999,8 +26484,8 @@
         </p:nvSpPr>
         <p:spPr>
           <a:xfrm rot="20300400">
-            <a:off x="1780200" y="-185400"/>
-            <a:ext cx="1047240" cy="956160"/>
+            <a:off x="1780200" y="-185040"/>
+            <a:ext cx="1046880" cy="955800"/>
           </a:xfrm>
           <a:prstGeom prst="pie">
             <a:avLst>
@@ -25032,7 +26517,7 @@
         <p:spPr>
           <a:xfrm>
             <a:off x="9672120" y="822960"/>
-            <a:ext cx="764280" cy="764280"/>
+            <a:ext cx="763920" cy="763920"/>
           </a:xfrm>
           <a:prstGeom prst="ellipse">
             <a:avLst/>
@@ -25060,7 +26545,7 @@
         <p:spPr>
           <a:xfrm>
             <a:off x="3008880" y="0"/>
-            <a:ext cx="1815840" cy="216720"/>
+            <a:ext cx="1815480" cy="216360"/>
           </a:xfrm>
           <a:custGeom>
             <a:avLst/>
@@ -25622,8 +27107,8 @@
         </p:nvSpPr>
         <p:spPr>
           <a:xfrm rot="5400000">
-            <a:off x="-584280" y="3642840"/>
-            <a:ext cx="1815840" cy="408600"/>
+            <a:off x="-583560" y="3642840"/>
+            <a:ext cx="1815480" cy="408240"/>
           </a:xfrm>
           <a:custGeom>
             <a:avLst/>
@@ -26450,7 +27935,7 @@
         <p:spPr>
           <a:xfrm>
             <a:off x="6123600" y="5917680"/>
-            <a:ext cx="1113480" cy="774000"/>
+            <a:ext cx="1113120" cy="773640"/>
           </a:xfrm>
           <a:custGeom>
             <a:avLst/>
@@ -27325,7 +28810,7 @@
         <p:spPr>
           <a:xfrm>
             <a:off x="5614920" y="6330240"/>
-            <a:ext cx="245880" cy="245880"/>
+            <a:ext cx="245520" cy="245520"/>
           </a:xfrm>
           <a:prstGeom prst="ellipse">
             <a:avLst/>
@@ -27352,8 +28837,8 @@
         </p:nvSpPr>
         <p:spPr>
           <a:xfrm rot="2662200">
-            <a:off x="-41760" y="455400"/>
-            <a:ext cx="1014840" cy="498960"/>
+            <a:off x="-41400" y="455040"/>
+            <a:ext cx="1014480" cy="498600"/>
           </a:xfrm>
           <a:custGeom>
             <a:avLst/>
@@ -27406,8 +28891,8 @@
         </p:nvSpPr>
         <p:spPr>
           <a:xfrm rot="16200000">
-            <a:off x="641520" y="5896080"/>
-            <a:ext cx="302400" cy="1038600"/>
+            <a:off x="641520" y="5896440"/>
+            <a:ext cx="302040" cy="1038240"/>
           </a:xfrm>
           <a:prstGeom prst="rect">
             <a:avLst/>
@@ -27435,7 +28920,7 @@
         <p:spPr>
           <a:xfrm>
             <a:off x="254520" y="5616720"/>
-            <a:ext cx="478800" cy="456120"/>
+            <a:ext cx="478440" cy="455760"/>
           </a:xfrm>
           <a:prstGeom prst="rect">
             <a:avLst/>
@@ -27463,7 +28948,7 @@
         <p:spPr>
           <a:xfrm rot="14021400">
             <a:off x="844560" y="5974920"/>
-            <a:ext cx="1397520" cy="721800"/>
+            <a:ext cx="1397160" cy="721440"/>
           </a:xfrm>
           <a:custGeom>
             <a:avLst/>
@@ -27516,8 +29001,8 @@
         </p:nvSpPr>
         <p:spPr>
           <a:xfrm rot="10800000">
-            <a:off x="11251440" y="5436720"/>
-            <a:ext cx="475560" cy="475560"/>
+            <a:off x="11251800" y="5437080"/>
+            <a:ext cx="475200" cy="475200"/>
           </a:xfrm>
           <a:prstGeom prst="ellipse">
             <a:avLst/>
@@ -27544,8 +29029,8 @@
         </p:nvSpPr>
         <p:spPr>
           <a:xfrm rot="16200000">
-            <a:off x="11541960" y="4656960"/>
-            <a:ext cx="730440" cy="629640"/>
+            <a:off x="11541960" y="4657320"/>
+            <a:ext cx="730080" cy="629280"/>
           </a:xfrm>
           <a:prstGeom prst="triangle">
             <a:avLst>
@@ -27574,8 +29059,8 @@
         </p:nvSpPr>
         <p:spPr>
           <a:xfrm rot="5400000">
-            <a:off x="11082600" y="4263120"/>
-            <a:ext cx="730440" cy="629640"/>
+            <a:off x="11082960" y="4263120"/>
+            <a:ext cx="730080" cy="629280"/>
           </a:xfrm>
           <a:prstGeom prst="triangle">
             <a:avLst>
@@ -27605,8 +29090,8 @@
         </p:nvSpPr>
         <p:spPr>
           <a:xfrm rot="16200000">
-            <a:off x="9851040" y="5573880"/>
-            <a:ext cx="1012680" cy="1370520"/>
+            <a:off x="9851040" y="5574240"/>
+            <a:ext cx="1012320" cy="1370160"/>
           </a:xfrm>
           <a:prstGeom prst="triangle">
             <a:avLst>
@@ -27636,8 +29121,8 @@
         </p:nvSpPr>
         <p:spPr>
           <a:xfrm rot="9103200">
-            <a:off x="11335320" y="3594240"/>
-            <a:ext cx="1280520" cy="335880"/>
+            <a:off x="11335680" y="3594600"/>
+            <a:ext cx="1280160" cy="335520"/>
           </a:xfrm>
           <a:prstGeom prst="rect">
             <a:avLst/>
@@ -27665,7 +29150,7 @@
         <p:spPr>
           <a:xfrm rot="9500400">
             <a:off x="9394560" y="5488200"/>
-            <a:ext cx="1047240" cy="956160"/>
+            <a:ext cx="1046880" cy="955800"/>
           </a:xfrm>
           <a:prstGeom prst="pie">
             <a:avLst>
@@ -27696,8 +29181,8 @@
         </p:nvSpPr>
         <p:spPr>
           <a:xfrm rot="16200000">
-            <a:off x="10992240" y="2207160"/>
-            <a:ext cx="1815840" cy="408600"/>
+            <a:off x="10992240" y="2207520"/>
+            <a:ext cx="1815480" cy="408240"/>
           </a:xfrm>
           <a:custGeom>
             <a:avLst/>
@@ -28523,8 +30008,8 @@
         </p:nvSpPr>
         <p:spPr>
           <a:xfrm rot="13462200">
-            <a:off x="11249640" y="5303520"/>
-            <a:ext cx="1014840" cy="498960"/>
+            <a:off x="11249640" y="5303880"/>
+            <a:ext cx="1014480" cy="498600"/>
           </a:xfrm>
           <a:custGeom>
             <a:avLst/>
@@ -28577,8 +30062,8 @@
         </p:nvSpPr>
         <p:spPr>
           <a:xfrm rot="5400000">
-            <a:off x="11415960" y="-166680"/>
-            <a:ext cx="302400" cy="1038600"/>
+            <a:off x="11416320" y="-166320"/>
+            <a:ext cx="302040" cy="1038240"/>
           </a:xfrm>
           <a:prstGeom prst="rect">
             <a:avLst/>
@@ -28605,8 +30090,8 @@
         </p:nvSpPr>
         <p:spPr>
           <a:xfrm rot="10800000">
-            <a:off x="11626920" y="693360"/>
-            <a:ext cx="478800" cy="456120"/>
+            <a:off x="11627280" y="693360"/>
+            <a:ext cx="478440" cy="455760"/>
           </a:xfrm>
           <a:prstGeom prst="rect">
             <a:avLst/>
@@ -28634,7 +30119,7 @@
         <p:spPr>
           <a:xfrm rot="3221400">
             <a:off x="10117080" y="69480"/>
-            <a:ext cx="1397520" cy="721800"/>
+            <a:ext cx="1397160" cy="721440"/>
           </a:xfrm>
           <a:custGeom>
             <a:avLst/>
@@ -28687,8 +30172,8 @@
         </p:nvSpPr>
         <p:spPr>
           <a:xfrm flipH="1" rot="5400000">
-            <a:off x="-678960" y="6349320"/>
-            <a:ext cx="1578600" cy="343080"/>
+            <a:off x="-678960" y="6349680"/>
+            <a:ext cx="1578240" cy="342720"/>
           </a:xfrm>
           <a:prstGeom prst="rect">
             <a:avLst/>
@@ -28995,7 +30480,7 @@
         <p:spPr>
           <a:xfrm>
             <a:off x="1576080" y="1524960"/>
-            <a:ext cx="7652520" cy="3651840"/>
+            <a:ext cx="7652160" cy="3651480"/>
           </a:xfrm>
           <a:prstGeom prst="rect">
             <a:avLst/>
@@ -29054,7 +30539,7 @@
                 <a:latin typeface="Barlow Condensed SemiBold"/>
                 <a:ea typeface="Barlow Condensed SemiBold"/>
               </a:rPr>
-              <a:t>AskM8000-2</a:t>
+              <a:t>AskM8000-3</a:t>
             </a:r>
             <a:endParaRPr b="0" lang="en-US" sz="7300" spc="-1" strike="noStrike">
               <a:latin typeface="Arial"/>
@@ -29071,7 +30556,7 @@
         <p:spPr>
           <a:xfrm>
             <a:off x="11372760" y="6217560"/>
-            <a:ext cx="730800" cy="523800"/>
+            <a:ext cx="730440" cy="523440"/>
           </a:xfrm>
           <a:prstGeom prst="rect">
             <a:avLst/>
@@ -29100,7 +30585,7 @@
                 <a:tab algn="l" pos="0"/>
               </a:tabLst>
             </a:pPr>
-            <a:fld id="{15B951EF-F167-4D70-A0BB-9BA9F0CFF706}" type="slidenum">
+            <a:fld id="{E5CAD9CE-05E0-4184-BB96-678B146C688B}" type="slidenum">
               <a:rPr b="0" lang="en" sz="1500" spc="-1" strike="noStrike">
                 <a:solidFill>
                   <a:srgbClr val="171717"/>
@@ -29109,6 +30594,275 @@
                 <a:ea typeface="Barlow Condensed SemiBold"/>
               </a:rPr>
               <a:t>&lt;number&gt;</a:t>
+            </a:fld>
+            <a:endParaRPr b="0" lang="en-US" sz="1500" spc="-1" strike="noStrike">
+              <a:latin typeface="Arial"/>
+            </a:endParaRPr>
+          </a:p>
+        </p:txBody>
+      </p:sp>
+    </p:spTree>
+  </p:cSld>
+  <mc:AlternateContent>
+    <mc:Choice Requires="p14">
+      <p:transition spd="slow" p14:dur="2000"/>
+    </mc:Choice>
+    <mc:Fallback>
+      <p:transition spd="slow"/>
+    </mc:Fallback>
+  </mc:AlternateContent>
+</p:sld>
+</file>
+
+<file path=ppt/slides/slide10.xml><?xml version="1.0" encoding="utf-8"?>
+<p:sld xmlns:a="http://schemas.openxmlformats.org/drawingml/2006/main" xmlns:p="http://schemas.openxmlformats.org/presentationml/2006/main" xmlns:r="http://schemas.openxmlformats.org/officeDocument/2006/relationships" xmlns:p14="http://schemas.microsoft.com/office/powerpoint/2010/main" xmlns:p15="http://schemas.microsoft.com/office/powerpoint/2012/main" xmlns:mc="http://schemas.openxmlformats.org/markup-compatibility/2006">
+  <p:cSld>
+    <p:spTree>
+      <p:nvGrpSpPr>
+        <p:cNvPr id="1" name=""/>
+        <p:cNvGrpSpPr/>
+        <p:nvPr/>
+      </p:nvGrpSpPr>
+      <p:grpSpPr>
+        <a:xfrm>
+          <a:off x="0" y="0"/>
+          <a:ext cx="0" cy="0"/>
+          <a:chOff x="0" y="0"/>
+          <a:chExt cx="0" cy="0"/>
+        </a:xfrm>
+      </p:grpSpPr>
+      <p:sp>
+        <p:nvSpPr>
+          <p:cNvPr id="399" name="CustomShape 1"/>
+          <p:cNvSpPr/>
+          <p:nvPr/>
+        </p:nvSpPr>
+        <p:spPr>
+          <a:xfrm>
+            <a:off x="2073240" y="1812600"/>
+            <a:ext cx="7446600" cy="762120"/>
+          </a:xfrm>
+          <a:prstGeom prst="rect">
+            <a:avLst/>
+          </a:prstGeom>
+          <a:noFill/>
+          <a:ln>
+            <a:noFill/>
+          </a:ln>
+        </p:spPr>
+        <p:style>
+          <a:lnRef idx="0"/>
+          <a:fillRef idx="0"/>
+          <a:effectRef idx="0"/>
+          <a:fontRef idx="minor"/>
+        </p:style>
+        <p:txBody>
+          <a:bodyPr lIns="122040" rIns="122040" tIns="122040" bIns="122040">
+            <a:noAutofit/>
+          </a:bodyPr>
+          <a:p>
+            <a:pPr>
+              <a:lnSpc>
+                <a:spcPct val="100000"/>
+              </a:lnSpc>
+              <a:tabLst>
+                <a:tab algn="l" pos="0"/>
+              </a:tabLst>
+            </a:pPr>
+            <a:r>
+              <a:rPr b="0" lang="en" sz="4000" spc="-1" strike="noStrike">
+                <a:solidFill>
+                  <a:srgbClr val="000000"/>
+                </a:solidFill>
+                <a:latin typeface="Barlow Condensed SemiBold"/>
+                <a:ea typeface="Barlow Condensed SemiBold"/>
+              </a:rPr>
+              <a:t>CREDITS.</a:t>
+            </a:r>
+            <a:endParaRPr b="0" lang="en-US" sz="4000" spc="-1" strike="noStrike">
+              <a:latin typeface="Arial"/>
+            </a:endParaRPr>
+          </a:p>
+        </p:txBody>
+      </p:sp>
+      <p:sp>
+        <p:nvSpPr>
+          <p:cNvPr id="400" name="CustomShape 2"/>
+          <p:cNvSpPr/>
+          <p:nvPr/>
+        </p:nvSpPr>
+        <p:spPr>
+          <a:xfrm>
+            <a:off x="2073240" y="2755800"/>
+            <a:ext cx="7446600" cy="2581560"/>
+          </a:xfrm>
+          <a:prstGeom prst="rect">
+            <a:avLst/>
+          </a:prstGeom>
+          <a:noFill/>
+          <a:ln>
+            <a:noFill/>
+          </a:ln>
+        </p:spPr>
+        <p:style>
+          <a:lnRef idx="0"/>
+          <a:fillRef idx="0"/>
+          <a:effectRef idx="0"/>
+          <a:fontRef idx="minor"/>
+        </p:style>
+        <p:txBody>
+          <a:bodyPr lIns="122040" rIns="122040" tIns="122040" bIns="122040">
+            <a:noAutofit/>
+          </a:bodyPr>
+          <a:p>
+            <a:pPr marL="457200" indent="-366840">
+              <a:lnSpc>
+                <a:spcPct val="150000"/>
+              </a:lnSpc>
+              <a:buClr>
+                <a:srgbClr val="f7d101"/>
+              </a:buClr>
+              <a:buFont typeface="Ubuntu"/>
+              <a:buChar char="●"/>
+            </a:pPr>
+            <a:r>
+              <a:rPr b="0" lang="en" sz="2200" spc="-1" strike="noStrike">
+                <a:solidFill>
+                  <a:srgbClr val="171717"/>
+                </a:solidFill>
+                <a:latin typeface="Ubuntu"/>
+                <a:ea typeface="Ubuntu"/>
+              </a:rPr>
+              <a:t>Kis Lóránd</a:t>
+            </a:r>
+            <a:endParaRPr b="0" lang="en-US" sz="2200" spc="-1" strike="noStrike">
+              <a:latin typeface="Arial"/>
+            </a:endParaRPr>
+          </a:p>
+          <a:p>
+            <a:pPr marL="457200" indent="-366840">
+              <a:lnSpc>
+                <a:spcPct val="150000"/>
+              </a:lnSpc>
+              <a:buClr>
+                <a:srgbClr val="f7d101"/>
+              </a:buClr>
+              <a:buFont typeface="Ubuntu"/>
+              <a:buChar char="●"/>
+            </a:pPr>
+            <a:r>
+              <a:rPr b="0" lang="en" sz="2200" spc="-1" strike="noStrike">
+                <a:solidFill>
+                  <a:srgbClr val="171717"/>
+                </a:solidFill>
+                <a:latin typeface="Ubuntu"/>
+                <a:ea typeface="Ubuntu"/>
+              </a:rPr>
+              <a:t>Szabó Imre</a:t>
+            </a:r>
+            <a:endParaRPr b="0" lang="en-US" sz="2200" spc="-1" strike="noStrike">
+              <a:latin typeface="Arial"/>
+            </a:endParaRPr>
+          </a:p>
+          <a:p>
+            <a:pPr marL="457200" indent="-366840">
+              <a:lnSpc>
+                <a:spcPct val="150000"/>
+              </a:lnSpc>
+              <a:buClr>
+                <a:srgbClr val="f7d101"/>
+              </a:buClr>
+              <a:buFont typeface="Ubuntu"/>
+              <a:buChar char="●"/>
+            </a:pPr>
+            <a:r>
+              <a:rPr b="0" lang="en" sz="2200" spc="-1" strike="noStrike">
+                <a:solidFill>
+                  <a:srgbClr val="171717"/>
+                </a:solidFill>
+                <a:latin typeface="Ubuntu"/>
+                <a:ea typeface="Ubuntu"/>
+              </a:rPr>
+              <a:t>Cser Dániel</a:t>
+            </a:r>
+            <a:endParaRPr b="0" lang="en-US" sz="2200" spc="-1" strike="noStrike">
+              <a:latin typeface="Arial"/>
+            </a:endParaRPr>
+          </a:p>
+          <a:p>
+            <a:pPr marL="457200" indent="-366840">
+              <a:lnSpc>
+                <a:spcPct val="150000"/>
+              </a:lnSpc>
+              <a:buClr>
+                <a:srgbClr val="f7d101"/>
+              </a:buClr>
+              <a:buFont typeface="Ubuntu"/>
+              <a:buChar char="●"/>
+            </a:pPr>
+            <a:r>
+              <a:rPr b="0" lang="en" sz="2200" spc="-1" strike="noStrike">
+                <a:solidFill>
+                  <a:srgbClr val="171717"/>
+                </a:solidFill>
+                <a:latin typeface="Ubuntu"/>
+                <a:ea typeface="Ubuntu"/>
+              </a:rPr>
+              <a:t>Nyitrai Balázs</a:t>
+            </a:r>
+            <a:endParaRPr b="0" lang="en-US" sz="2200" spc="-1" strike="noStrike">
+              <a:latin typeface="Arial"/>
+            </a:endParaRPr>
+          </a:p>
+        </p:txBody>
+      </p:sp>
+      <p:sp>
+        <p:nvSpPr>
+          <p:cNvPr id="401" name="CustomShape 3"/>
+          <p:cNvSpPr/>
+          <p:nvPr/>
+        </p:nvSpPr>
+        <p:spPr>
+          <a:xfrm>
+            <a:off x="11372760" y="6217560"/>
+            <a:ext cx="730440" cy="523440"/>
+          </a:xfrm>
+          <a:prstGeom prst="rect">
+            <a:avLst/>
+          </a:prstGeom>
+          <a:noFill/>
+          <a:ln>
+            <a:noFill/>
+          </a:ln>
+        </p:spPr>
+        <p:style>
+          <a:lnRef idx="0"/>
+          <a:fillRef idx="0"/>
+          <a:effectRef idx="0"/>
+          <a:fontRef idx="minor"/>
+        </p:style>
+        <p:txBody>
+          <a:bodyPr lIns="122040" rIns="122040" tIns="122040" bIns="122040" anchor="ctr">
+            <a:noAutofit/>
+          </a:bodyPr>
+          <a:p>
+            <a:pPr algn="ctr">
+              <a:lnSpc>
+                <a:spcPct val="100000"/>
+              </a:lnSpc>
+              <a:tabLst>
+                <a:tab algn="l" pos="0"/>
+              </a:tabLst>
+            </a:pPr>
+            <a:fld id="{1415859B-9B4D-426F-B935-6672E0ACFE0D}" type="slidenum">
+              <a:rPr b="0" lang="en" sz="1500" spc="-1" strike="noStrike">
+                <a:solidFill>
+                  <a:srgbClr val="171717"/>
+                </a:solidFill>
+                <a:latin typeface="Barlow Condensed SemiBold"/>
+                <a:ea typeface="Barlow Condensed SemiBold"/>
+              </a:rPr>
+              <a:t>6</a:t>
             </a:fld>
             <a:endParaRPr b="0" lang="en-US" sz="1500" spc="-1" strike="noStrike">
               <a:latin typeface="Arial"/>
@@ -29155,7 +30909,7 @@
         <p:spPr>
           <a:xfrm>
             <a:off x="674640" y="1349280"/>
-            <a:ext cx="10140480" cy="623880"/>
+            <a:ext cx="10140120" cy="623520"/>
           </a:xfrm>
           <a:prstGeom prst="rect">
             <a:avLst/>
@@ -29209,7 +30963,7 @@
         <p:spPr>
           <a:xfrm>
             <a:off x="674640" y="2506320"/>
-            <a:ext cx="8494200" cy="3008160"/>
+            <a:ext cx="8493840" cy="3007800"/>
           </a:xfrm>
           <a:prstGeom prst="rect">
             <a:avLst/>
@@ -29272,7 +31026,7 @@
                 <a:latin typeface="Merriweather"/>
                 <a:ea typeface="Merriweather"/>
               </a:rPr>
-              <a:t>Tuesday: planning, csv to sql</a:t>
+              <a:t>Tuesday: planning, workshop, create session, registering, login</a:t>
             </a:r>
             <a:endParaRPr b="0" lang="en-US" sz="2200" spc="-1" strike="noStrike">
               <a:latin typeface="Arial"/>
@@ -29298,19 +31052,9 @@
                 <a:latin typeface="Merriweather"/>
                 <a:ea typeface="Merriweather"/>
               </a:rPr>
-              <a:t>Wednesday: </a:t>
-            </a:r>
-            <a:r>
-              <a:rPr b="0" lang="en" sz="3200" spc="-1" strike="noStrike">
-                <a:solidFill>
-                  <a:srgbClr val="171717"/>
-                </a:solidFill>
-                <a:latin typeface="Merriweather"/>
-                <a:ea typeface="Merriweather"/>
-              </a:rPr>
-              <a:t>csv to sql</a:t>
-            </a:r>
-            <a:endParaRPr b="0" lang="en-US" sz="3200" spc="-1" strike="noStrike">
+              <a:t>Wednesday: worskhop, happy coding</a:t>
+            </a:r>
+            <a:endParaRPr b="0" lang="en-US" sz="2200" spc="-1" strike="noStrike">
               <a:latin typeface="Arial"/>
             </a:endParaRPr>
           </a:p>
@@ -29334,27 +31078,7 @@
                 <a:latin typeface="Merriweather"/>
                 <a:ea typeface="Merriweather"/>
               </a:rPr>
-              <a:t>Thursday: </a:t>
-            </a:r>
-            <a:r>
-              <a:rPr b="0" lang="en" sz="5200" spc="-1" strike="noStrike">
-                <a:solidFill>
-                  <a:srgbClr val="171717"/>
-                </a:solidFill>
-                <a:latin typeface="Merriweather"/>
-                <a:ea typeface="Merriweather"/>
-              </a:rPr>
-              <a:t>csv to sql</a:t>
-            </a:r>
-            <a:r>
-              <a:rPr b="0" lang="en" sz="2200" spc="-1" strike="noStrike">
-                <a:solidFill>
-                  <a:srgbClr val="171717"/>
-                </a:solidFill>
-                <a:latin typeface="Merriweather"/>
-                <a:ea typeface="Merriweather"/>
-              </a:rPr>
-              <a:t>, adding new features</a:t>
+              <a:t>Thursday: javascript, sql rewriting</a:t>
             </a:r>
             <a:endParaRPr b="0" lang="en-US" sz="2200" spc="-1" strike="noStrike">
               <a:latin typeface="Arial"/>
@@ -29390,7 +31114,7 @@
         <p:spPr>
           <a:xfrm>
             <a:off x="11372760" y="6217560"/>
-            <a:ext cx="730800" cy="523800"/>
+            <a:ext cx="730440" cy="523440"/>
           </a:xfrm>
           <a:prstGeom prst="rect">
             <a:avLst/>
@@ -29419,7 +31143,7 @@
                 <a:tab algn="l" pos="0"/>
               </a:tabLst>
             </a:pPr>
-            <a:fld id="{8CB5164B-517E-4723-940B-10FD7973B6EF}" type="slidenum">
+            <a:fld id="{986FD3BE-D6B0-4517-9EBB-F1B0AAC897AD}" type="slidenum">
               <a:rPr b="0" lang="en" sz="1500" spc="-1" strike="noStrike">
                 <a:solidFill>
                   <a:srgbClr val="171717"/>
@@ -29474,7 +31198,7 @@
         <p:spPr>
           <a:xfrm>
             <a:off x="2073240" y="1279080"/>
-            <a:ext cx="9702000" cy="762480"/>
+            <a:ext cx="9701640" cy="762120"/>
           </a:xfrm>
           <a:prstGeom prst="rect">
             <a:avLst/>
@@ -29528,7 +31252,7 @@
         <p:spPr>
           <a:xfrm>
             <a:off x="11372760" y="6217560"/>
-            <a:ext cx="730800" cy="523800"/>
+            <a:ext cx="730440" cy="523440"/>
           </a:xfrm>
           <a:prstGeom prst="rect">
             <a:avLst/>
@@ -29557,7 +31281,7 @@
                 <a:tab algn="l" pos="0"/>
               </a:tabLst>
             </a:pPr>
-            <a:fld id="{BB03921D-A54D-40BB-A283-A5ECC49946A6}" type="slidenum">
+            <a:fld id="{85B876E2-07C9-4EC0-B80A-E37A46A1486A}" type="slidenum">
               <a:rPr b="0" lang="en" sz="1500" spc="-1" strike="noStrike">
                 <a:solidFill>
                   <a:srgbClr val="171717"/>
@@ -29582,7 +31306,7 @@
         <p:spPr>
           <a:xfrm>
             <a:off x="1904040" y="2098080"/>
-            <a:ext cx="659520" cy="399240"/>
+            <a:ext cx="659160" cy="398880"/>
           </a:xfrm>
           <a:prstGeom prst="rect">
             <a:avLst/>
@@ -29612,7 +31336,7 @@
         <p:spPr>
           <a:xfrm>
             <a:off x="1844280" y="2194560"/>
-            <a:ext cx="8762760" cy="3438000"/>
+            <a:ext cx="8762400" cy="3437640"/>
           </a:xfrm>
           <a:prstGeom prst="rect">
             <a:avLst/>
@@ -29661,7 +31385,7 @@
         <p:spPr>
           <a:xfrm>
             <a:off x="2001600" y="516960"/>
-            <a:ext cx="9702000" cy="762480"/>
+            <a:ext cx="9701640" cy="762120"/>
           </a:xfrm>
           <a:prstGeom prst="rect">
             <a:avLst/>
@@ -29715,8 +31439,8 @@
         </p:nvSpPr>
         <p:spPr>
           <a:xfrm>
-            <a:off x="1645920" y="2377440"/>
-            <a:ext cx="4734000" cy="4554000"/>
+            <a:off x="1005840" y="2395800"/>
+            <a:ext cx="3108960" cy="4553640"/>
           </a:xfrm>
           <a:prstGeom prst="rect">
             <a:avLst/>
@@ -29737,7 +31461,7 @@
             <a:noAutofit/>
           </a:bodyPr>
           <a:p>
-            <a:pPr marL="457200" indent="-367200">
+            <a:pPr marL="457200" indent="-366840">
               <a:lnSpc>
                 <a:spcPct val="150000"/>
               </a:lnSpc>
@@ -29755,14 +31479,14 @@
                 <a:latin typeface="Merriweather"/>
                 <a:ea typeface="Merriweather"/>
               </a:rPr>
-              <a:t>routing</a:t>
+              <a:t>Routing</a:t>
             </a:r>
             <a:endParaRPr b="0" lang="en-US" sz="2200" spc="-1" strike="noStrike">
               <a:latin typeface="Arial"/>
             </a:endParaRPr>
           </a:p>
           <a:p>
-            <a:pPr marL="457200" indent="-367200">
+            <a:pPr marL="457200" indent="-366840">
               <a:lnSpc>
                 <a:spcPct val="150000"/>
               </a:lnSpc>
@@ -29780,14 +31504,14 @@
                 <a:latin typeface="Merriweather"/>
                 <a:ea typeface="Merriweather"/>
               </a:rPr>
-              <a:t>sorting</a:t>
+              <a:t>Sorting</a:t>
             </a:r>
             <a:endParaRPr b="0" lang="en-US" sz="2200" spc="-1" strike="noStrike">
               <a:latin typeface="Arial"/>
             </a:endParaRPr>
           </a:p>
           <a:p>
-            <a:pPr marL="457200" indent="-449640">
+            <a:pPr marL="457200" indent="-449280">
               <a:lnSpc>
                 <a:spcPct val="150000"/>
               </a:lnSpc>
@@ -29812,7 +31536,7 @@
             </a:endParaRPr>
           </a:p>
           <a:p>
-            <a:pPr marL="457200" indent="-367200">
+            <a:pPr marL="457200" indent="-366840">
               <a:lnSpc>
                 <a:spcPct val="150000"/>
               </a:lnSpc>
@@ -29846,8 +31570,8 @@
         </p:nvSpPr>
         <p:spPr>
           <a:xfrm>
-            <a:off x="6969600" y="2394720"/>
-            <a:ext cx="4734000" cy="4554000"/>
+            <a:off x="3931920" y="2670120"/>
+            <a:ext cx="3820320" cy="4553640"/>
           </a:xfrm>
           <a:prstGeom prst="rect">
             <a:avLst/>
@@ -29868,7 +31592,7 @@
             <a:normAutofit/>
           </a:bodyPr>
           <a:p>
-            <a:pPr marL="432000" indent="-323280">
+            <a:pPr marL="432000" indent="-322920">
               <a:lnSpc>
                 <a:spcPct val="100000"/>
               </a:lnSpc>
@@ -29897,7 +31621,7 @@
             </a:endParaRPr>
           </a:p>
           <a:p>
-            <a:pPr marL="432000" indent="-323280">
+            <a:pPr marL="432000" indent="-322920">
               <a:lnSpc>
                 <a:spcPct val="100000"/>
               </a:lnSpc>
@@ -29926,7 +31650,7 @@
             </a:endParaRPr>
           </a:p>
           <a:p>
-            <a:pPr marL="432000" indent="-323280">
+            <a:pPr marL="432000" indent="-322920">
               <a:lnSpc>
                 <a:spcPct val="150000"/>
               </a:lnSpc>
@@ -29938,7 +31662,7 @@
               <a:buChar char=""/>
             </a:pPr>
             <a:r>
-              <a:rPr b="0" lang="en" sz="6200" spc="-1" strike="noStrike">
+              <a:rPr b="0" lang="en" sz="5400" spc="-1" strike="noStrike">
                 <a:solidFill>
                   <a:srgbClr val="171717"/>
                 </a:solidFill>
@@ -29947,7 +31671,7 @@
               </a:rPr>
               <a:t>GIT !! ?</a:t>
             </a:r>
-            <a:endParaRPr b="0" lang="en-US" sz="6200" spc="-1" strike="noStrike">
+            <a:endParaRPr b="0" lang="en-US" sz="5400" spc="-1" strike="noStrike">
               <a:latin typeface="Arial"/>
             </a:endParaRPr>
           </a:p>
@@ -29961,8 +31685,8 @@
         </p:nvSpPr>
         <p:spPr>
           <a:xfrm>
-            <a:off x="6858000" y="1280160"/>
-            <a:ext cx="5577120" cy="671040"/>
+            <a:off x="3750120" y="1828800"/>
+            <a:ext cx="2467800" cy="670680"/>
           </a:xfrm>
           <a:prstGeom prst="rect">
             <a:avLst/>
@@ -29992,17 +31716,17 @@
               </a:tabLst>
             </a:pPr>
             <a:r>
-              <a:rPr b="0" lang="en" sz="4000" spc="-1" strike="noStrike">
+              <a:rPr b="0" lang="en" sz="2400" spc="-1" strike="noStrike">
                 <a:solidFill>
                   <a:srgbClr val="f7d101"/>
                 </a:solidFill>
                 <a:latin typeface="Barlow Condensed SemiBold"/>
                 <a:ea typeface="Barlow Condensed SemiBold"/>
               </a:rPr>
-              <a:t>This Week:</a:t>
+              <a:t>Second Week:</a:t>
             </a:r>
             <a:br/>
-            <a:endParaRPr b="0" lang="en-US" sz="4000" spc="-1" strike="noStrike">
+            <a:endParaRPr b="0" lang="en-US" sz="2400" spc="-1" strike="noStrike">
               <a:latin typeface="Arial"/>
             </a:endParaRPr>
           </a:p>
@@ -30016,8 +31740,8 @@
         </p:nvSpPr>
         <p:spPr>
           <a:xfrm>
-            <a:off x="1554480" y="1280160"/>
-            <a:ext cx="5577120" cy="671040"/>
+            <a:off x="914400" y="1828800"/>
+            <a:ext cx="1920240" cy="670680"/>
           </a:xfrm>
           <a:prstGeom prst="rect">
             <a:avLst/>
@@ -30047,17 +31771,216 @@
               </a:tabLst>
             </a:pPr>
             <a:r>
-              <a:rPr b="0" lang="en" sz="4000" spc="-1" strike="noStrike">
+              <a:rPr b="0" lang="en" sz="2400" spc="-1" strike="noStrike">
                 <a:solidFill>
                   <a:srgbClr val="f7d101"/>
                 </a:solidFill>
                 <a:latin typeface="Barlow Condensed SemiBold"/>
                 <a:ea typeface="Barlow Condensed SemiBold"/>
               </a:rPr>
-              <a:t>Last Week:</a:t>
+              <a:t>First Week:</a:t>
             </a:r>
             <a:br/>
-            <a:endParaRPr b="0" lang="en-US" sz="4000" spc="-1" strike="noStrike">
+            <a:endParaRPr b="0" lang="en-US" sz="2400" spc="-1" strike="noStrike">
+              <a:latin typeface="Arial"/>
+            </a:endParaRPr>
+          </a:p>
+        </p:txBody>
+      </p:sp>
+      <p:sp>
+        <p:nvSpPr>
+          <p:cNvPr id="384" name="CustomShape 6"/>
+          <p:cNvSpPr/>
+          <p:nvPr/>
+        </p:nvSpPr>
+        <p:spPr>
+          <a:xfrm>
+            <a:off x="6949440" y="1828800"/>
+            <a:ext cx="2467800" cy="670680"/>
+          </a:xfrm>
+          <a:prstGeom prst="rect">
+            <a:avLst/>
+          </a:prstGeom>
+          <a:noFill/>
+          <a:ln>
+            <a:noFill/>
+          </a:ln>
+        </p:spPr>
+        <p:style>
+          <a:lnRef idx="0"/>
+          <a:fillRef idx="0"/>
+          <a:effectRef idx="0"/>
+          <a:fontRef idx="minor"/>
+        </p:style>
+        <p:txBody>
+          <a:bodyPr lIns="122040" rIns="122040" tIns="122040" bIns="122040">
+            <a:noAutofit/>
+          </a:bodyPr>
+          <a:p>
+            <a:pPr>
+              <a:lnSpc>
+                <a:spcPct val="100000"/>
+              </a:lnSpc>
+              <a:tabLst>
+                <a:tab algn="l" pos="0"/>
+              </a:tabLst>
+            </a:pPr>
+            <a:r>
+              <a:rPr b="0" lang="en" sz="2400" spc="-1" strike="noStrike">
+                <a:solidFill>
+                  <a:srgbClr val="f7d101"/>
+                </a:solidFill>
+                <a:latin typeface="Barlow Condensed SemiBold"/>
+                <a:ea typeface="Barlow Condensed SemiBold"/>
+              </a:rPr>
+              <a:t>Third Week:</a:t>
+            </a:r>
+            <a:br/>
+            <a:endParaRPr b="0" lang="en-US" sz="2400" spc="-1" strike="noStrike">
+              <a:latin typeface="Arial"/>
+            </a:endParaRPr>
+          </a:p>
+        </p:txBody>
+      </p:sp>
+      <p:sp>
+        <p:nvSpPr>
+          <p:cNvPr id="385" name="CustomShape 7"/>
+          <p:cNvSpPr/>
+          <p:nvPr/>
+        </p:nvSpPr>
+        <p:spPr>
+          <a:xfrm>
+            <a:off x="8138160" y="2560320"/>
+            <a:ext cx="4114800" cy="4553640"/>
+          </a:xfrm>
+          <a:prstGeom prst="rect">
+            <a:avLst/>
+          </a:prstGeom>
+          <a:noFill/>
+          <a:ln>
+            <a:noFill/>
+          </a:ln>
+        </p:spPr>
+        <p:style>
+          <a:lnRef idx="0"/>
+          <a:fillRef idx="0"/>
+          <a:effectRef idx="0"/>
+          <a:fontRef idx="minor"/>
+        </p:style>
+        <p:txBody>
+          <a:bodyPr lIns="0" rIns="0" tIns="0" bIns="0">
+            <a:normAutofit/>
+          </a:bodyPr>
+          <a:p>
+            <a:pPr marL="432000" indent="-322920">
+              <a:lnSpc>
+                <a:spcPct val="100000"/>
+              </a:lnSpc>
+              <a:spcBef>
+                <a:spcPts val="1417"/>
+              </a:spcBef>
+              <a:buClr>
+                <a:srgbClr val="ffbf00"/>
+              </a:buClr>
+              <a:buSzPct val="105000"/>
+              <a:buFont typeface="Wingdings" charset="2"/>
+              <a:buChar char=""/>
+            </a:pPr>
+            <a:r>
+              <a:rPr b="0" lang="en-US" sz="2200" spc="-1" strike="noStrike">
+                <a:solidFill>
+                  <a:srgbClr val="000000"/>
+                </a:solidFill>
+                <a:latin typeface="Arial"/>
+                <a:ea typeface="DejaVu Sans"/>
+              </a:rPr>
+              <a:t>Javascript</a:t>
+            </a:r>
+            <a:endParaRPr b="0" lang="en-US" sz="2200" spc="-1" strike="noStrike">
+              <a:latin typeface="Arial"/>
+            </a:endParaRPr>
+          </a:p>
+          <a:p>
+            <a:pPr marL="432000" indent="-322920">
+              <a:lnSpc>
+                <a:spcPct val="100000"/>
+              </a:lnSpc>
+              <a:spcBef>
+                <a:spcPts val="1417"/>
+              </a:spcBef>
+              <a:buClr>
+                <a:srgbClr val="ffbf00"/>
+              </a:buClr>
+              <a:buSzPct val="105000"/>
+              <a:buFont typeface="Wingdings" charset="2"/>
+              <a:buChar char=""/>
+            </a:pPr>
+            <a:r>
+              <a:rPr b="0" lang="en-US" sz="2200" spc="-1" strike="noStrike">
+                <a:solidFill>
+                  <a:srgbClr val="000000"/>
+                </a:solidFill>
+                <a:latin typeface="Arial"/>
+                <a:ea typeface="DejaVu Sans"/>
+              </a:rPr>
+              <a:t>Session</a:t>
+            </a:r>
+            <a:endParaRPr b="0" lang="en-US" sz="2200" spc="-1" strike="noStrike">
+              <a:latin typeface="Arial"/>
+            </a:endParaRPr>
+          </a:p>
+          <a:p>
+            <a:pPr marL="432000" indent="-322920">
+              <a:lnSpc>
+                <a:spcPct val="100000"/>
+              </a:lnSpc>
+              <a:spcBef>
+                <a:spcPts val="1417"/>
+              </a:spcBef>
+              <a:buClr>
+                <a:srgbClr val="ffbf00"/>
+              </a:buClr>
+              <a:buSzPct val="105000"/>
+              <a:buFont typeface="Wingdings" charset="2"/>
+              <a:buChar char=""/>
+            </a:pPr>
+            <a:r>
+              <a:rPr b="0" lang="en-US" sz="2200" spc="-1" strike="noStrike">
+                <a:solidFill>
+                  <a:srgbClr val="000000"/>
+                </a:solidFill>
+                <a:latin typeface="Arial"/>
+                <a:ea typeface="DejaVu Sans"/>
+              </a:rPr>
+              <a:t>Rewriting sql querries</a:t>
+            </a:r>
+            <a:endParaRPr b="0" lang="en-US" sz="2200" spc="-1" strike="noStrike">
+              <a:latin typeface="Arial"/>
+            </a:endParaRPr>
+          </a:p>
+          <a:p>
+            <a:pPr marL="432000" indent="-322920">
+              <a:lnSpc>
+                <a:spcPct val="150000"/>
+              </a:lnSpc>
+              <a:buClr>
+                <a:srgbClr val="ffbf00"/>
+              </a:buClr>
+              <a:buSzPct val="105000"/>
+              <a:buFont typeface="Wingdings" charset="2"/>
+              <a:buChar char=""/>
+            </a:pPr>
+            <a:r>
+              <a:rPr b="0" lang="en" sz="6600" spc="-1" strike="noStrike">
+                <a:solidFill>
+                  <a:srgbClr val="171717"/>
+                </a:solidFill>
+                <a:latin typeface="Merriweather"/>
+                <a:ea typeface="Merriweather"/>
+              </a:rPr>
+              <a:t>GIT !! ?</a:t>
+            </a:r>
+            <a:endParaRPr b="0" lang="en-US" sz="6600" spc="-1" strike="noStrike">
               <a:latin typeface="Arial"/>
             </a:endParaRPr>
           </a:p>
@@ -30095,14 +32018,14 @@
       </p:grpSpPr>
       <p:sp>
         <p:nvSpPr>
-          <p:cNvPr id="384" name="CustomShape 1"/>
-          <p:cNvSpPr/>
+          <p:cNvPr id="386" name="TextShape 1"/>
+          <p:cNvSpPr txBox="1"/>
           <p:nvPr/>
         </p:nvSpPr>
         <p:spPr>
           <a:xfrm>
-            <a:off x="2285640" y="586440"/>
-            <a:ext cx="7619400" cy="5453280"/>
+            <a:off x="609480" y="273600"/>
+            <a:ext cx="10972080" cy="1144440"/>
           </a:xfrm>
           <a:prstGeom prst="rect">
             <a:avLst/>
@@ -30112,105 +32035,93 @@
             <a:noFill/>
           </a:ln>
         </p:spPr>
-        <p:style>
-          <a:lnRef idx="0"/>
-          <a:fillRef idx="0"/>
-          <a:effectRef idx="0"/>
-          <a:fontRef idx="minor"/>
-        </p:style>
         <p:txBody>
-          <a:bodyPr lIns="122040" rIns="122040" tIns="122040" bIns="122040" anchor="ctr">
+          <a:bodyPr lIns="0" rIns="0" tIns="0" bIns="0" anchor="ctr">
             <a:noAutofit/>
           </a:bodyPr>
           <a:p>
-            <a:pPr algn="ctr">
-              <a:lnSpc>
-                <a:spcPct val="100000"/>
-              </a:lnSpc>
-              <a:tabLst>
-                <a:tab algn="l" pos="0"/>
-              </a:tabLst>
-            </a:pPr>
-            <a:r>
-              <a:rPr b="0" lang="en" sz="8500" spc="-1" strike="noStrike">
-                <a:solidFill>
-                  <a:srgbClr val="000000"/>
-                </a:solidFill>
-                <a:latin typeface="Barlow Condensed SemiBold"/>
-                <a:ea typeface="Barlow Condensed SemiBold"/>
-              </a:rPr>
-              <a:t>Let's see the project </a:t>
-            </a:r>
-            <a:r>
-              <a:rPr b="0" lang="en" sz="8500" spc="-1" strike="noStrike">
-                <a:solidFill>
-                  <a:srgbClr val="f7d101"/>
-                </a:solidFill>
-                <a:latin typeface="Barlow Condensed SemiBold"/>
-                <a:ea typeface="Barlow Condensed SemiBold"/>
-              </a:rPr>
-              <a:t>PLEASE.</a:t>
-            </a:r>
-            <a:endParaRPr b="0" lang="en-US" sz="8500" spc="-1" strike="noStrike">
+            <a:pPr algn="ctr"/>
+            <a:r>
+              <a:rPr b="0" lang="en-US" sz="4400" spc="-1" strike="noStrike">
+                <a:latin typeface="Arial"/>
+              </a:rPr>
+              <a:t>GIT EXTRAS</a:t>
+            </a:r>
+            <a:endParaRPr b="0" lang="en-US" sz="4400" spc="-1" strike="noStrike">
               <a:latin typeface="Arial"/>
             </a:endParaRPr>
           </a:p>
         </p:txBody>
       </p:sp>
-      <p:sp>
-        <p:nvSpPr>
-          <p:cNvPr id="385" name="CustomShape 2"/>
-          <p:cNvSpPr/>
+      <p:pic>
+        <p:nvPicPr>
+          <p:cNvPr id="387" name="" descr=""/>
+          <p:cNvPicPr/>
           <p:nvPr/>
-        </p:nvSpPr>
+        </p:nvPicPr>
+        <p:blipFill>
+          <a:blip r:embed="rId1"/>
+          <a:stretch/>
+        </p:blipFill>
         <p:spPr>
           <a:xfrm>
-            <a:off x="11372760" y="6217560"/>
-            <a:ext cx="730800" cy="523800"/>
+            <a:off x="640080" y="1418040"/>
+            <a:ext cx="9974160" cy="1786680"/>
           </a:xfrm>
           <a:prstGeom prst="rect">
             <a:avLst/>
           </a:prstGeom>
-          <a:noFill/>
           <a:ln>
             <a:noFill/>
           </a:ln>
         </p:spPr>
-        <p:style>
-          <a:lnRef idx="0"/>
-          <a:fillRef idx="0"/>
-          <a:effectRef idx="0"/>
-          <a:fontRef idx="minor"/>
-        </p:style>
-        <p:txBody>
-          <a:bodyPr lIns="122040" rIns="122040" tIns="122040" bIns="122040" anchor="ctr">
-            <a:noAutofit/>
-          </a:bodyPr>
-          <a:p>
-            <a:pPr algn="ctr">
-              <a:lnSpc>
-                <a:spcPct val="100000"/>
-              </a:lnSpc>
-              <a:tabLst>
-                <a:tab algn="l" pos="0"/>
-              </a:tabLst>
-            </a:pPr>
-            <a:fld id="{DA39F4D0-EE54-4D2E-ACA9-A10BF21DED76}" type="slidenum">
-              <a:rPr b="0" lang="en" sz="1500" spc="-1" strike="noStrike">
-                <a:solidFill>
-                  <a:srgbClr val="171717"/>
-                </a:solidFill>
-                <a:latin typeface="Barlow Condensed SemiBold"/>
-                <a:ea typeface="Barlow Condensed SemiBold"/>
-              </a:rPr>
-              <a:t>4</a:t>
-            </a:fld>
-            <a:endParaRPr b="0" lang="en-US" sz="1500" spc="-1" strike="noStrike">
-              <a:latin typeface="Arial"/>
-            </a:endParaRPr>
-          </a:p>
-        </p:txBody>
-      </p:sp>
+      </p:pic>
+      <p:pic>
+        <p:nvPicPr>
+          <p:cNvPr id="388" name="" descr=""/>
+          <p:cNvPicPr/>
+          <p:nvPr/>
+        </p:nvPicPr>
+        <p:blipFill>
+          <a:blip r:embed="rId2"/>
+          <a:stretch/>
+        </p:blipFill>
+        <p:spPr>
+          <a:xfrm>
+            <a:off x="467280" y="3417480"/>
+            <a:ext cx="10425600" cy="2526120"/>
+          </a:xfrm>
+          <a:prstGeom prst="rect">
+            <a:avLst/>
+          </a:prstGeom>
+          <a:ln>
+            <a:noFill/>
+          </a:ln>
+        </p:spPr>
+      </p:pic>
+      <p:pic>
+        <p:nvPicPr>
+          <p:cNvPr id="389" name="" descr=""/>
+          <p:cNvPicPr/>
+          <p:nvPr/>
+        </p:nvPicPr>
+        <p:blipFill>
+          <a:blip r:embed="rId3"/>
+          <a:stretch/>
+        </p:blipFill>
+        <p:spPr>
+          <a:xfrm>
+            <a:off x="8866800" y="5400"/>
+            <a:ext cx="3325320" cy="3377880"/>
+          </a:xfrm>
+          <a:prstGeom prst="rect">
+            <a:avLst/>
+          </a:prstGeom>
+          <a:ln>
+            <a:noFill/>
+          </a:ln>
+        </p:spPr>
+      </p:pic>
     </p:spTree>
   </p:cSld>
   <mc:AlternateContent>
@@ -30243,14 +32154,14 @@
       </p:grpSpPr>
       <p:sp>
         <p:nvSpPr>
-          <p:cNvPr id="386" name="CustomShape 1"/>
-          <p:cNvSpPr/>
+          <p:cNvPr id="390" name="TextShape 1"/>
+          <p:cNvSpPr txBox="1"/>
           <p:nvPr/>
         </p:nvSpPr>
         <p:spPr>
           <a:xfrm>
-            <a:off x="1465560" y="2842560"/>
-            <a:ext cx="9442440" cy="1121400"/>
+            <a:off x="609480" y="273600"/>
+            <a:ext cx="10972080" cy="1144440"/>
           </a:xfrm>
           <a:prstGeom prst="rect">
             <a:avLst/>
@@ -30260,46 +32171,19 @@
             <a:noFill/>
           </a:ln>
         </p:spPr>
-        <p:style>
-          <a:lnRef idx="0"/>
-          <a:fillRef idx="0"/>
-          <a:effectRef idx="0"/>
-          <a:fontRef idx="minor"/>
-        </p:style>
         <p:txBody>
-          <a:bodyPr lIns="122040" rIns="122040" tIns="122040" bIns="122040" anchor="ctr">
+          <a:bodyPr lIns="0" rIns="0" tIns="0" bIns="0" anchor="ctr">
             <a:noAutofit/>
           </a:bodyPr>
           <a:p>
-            <a:pPr algn="ctr">
-              <a:lnSpc>
-                <a:spcPct val="100000"/>
-              </a:lnSpc>
-              <a:tabLst>
-                <a:tab algn="l" pos="0"/>
-              </a:tabLst>
-            </a:pPr>
-            <a:r>
-              <a:rPr b="0" lang="en" sz="10000" spc="-1" strike="noStrike">
-                <a:solidFill>
-                  <a:srgbClr val="000000"/>
-                </a:solidFill>
-                <a:latin typeface="Barlow Condensed SemiBold"/>
-                <a:ea typeface="Barlow Condensed SemiBold"/>
-              </a:rPr>
-              <a:t>GREAT </a:t>
-            </a:r>
-            <a:r>
-              <a:rPr b="0" lang="en" sz="10000" spc="-1" strike="noStrike">
-                <a:solidFill>
-                  <a:srgbClr val="f7f7f7"/>
-                </a:solidFill>
-                <a:latin typeface="Barlow Condensed SemiBold"/>
-                <a:ea typeface="Barlow Condensed SemiBold"/>
-              </a:rPr>
-              <a:t>IDEA!</a:t>
-            </a:r>
-            <a:endParaRPr b="0" lang="en-US" sz="10000" spc="-1" strike="noStrike">
+            <a:pPr algn="ctr"/>
+            <a:r>
+              <a:rPr b="0" lang="en-US" sz="4400" spc="-1" strike="noStrike">
+                <a:latin typeface="Arial"/>
+              </a:rPr>
+              <a:t>Code Snippets</a:t>
+            </a:r>
+            <a:endParaRPr b="0" lang="en-US" sz="4400" spc="-1" strike="noStrike">
               <a:latin typeface="Arial"/>
             </a:endParaRPr>
           </a:p>
@@ -30307,14 +32191,14 @@
       </p:sp>
       <p:sp>
         <p:nvSpPr>
-          <p:cNvPr id="387" name="CustomShape 2"/>
-          <p:cNvSpPr/>
+          <p:cNvPr id="391" name="TextShape 2"/>
+          <p:cNvSpPr txBox="1"/>
           <p:nvPr/>
         </p:nvSpPr>
         <p:spPr>
           <a:xfrm>
-            <a:off x="11372760" y="6217560"/>
-            <a:ext cx="730800" cy="523800"/>
+            <a:off x="609480" y="1604520"/>
+            <a:ext cx="2612520" cy="3976920"/>
           </a:xfrm>
           <a:prstGeom prst="rect">
             <a:avLst/>
@@ -30324,36 +32208,42 @@
             <a:noFill/>
           </a:ln>
         </p:spPr>
-        <p:style>
-          <a:lnRef idx="0"/>
-          <a:fillRef idx="0"/>
-          <a:effectRef idx="0"/>
-          <a:fontRef idx="minor"/>
-        </p:style>
         <p:txBody>
-          <a:bodyPr lIns="122040" rIns="122040" tIns="122040" bIns="122040" anchor="ctr">
-            <a:noAutofit/>
+          <a:bodyPr lIns="0" rIns="0" tIns="0" bIns="0">
+            <a:normAutofit/>
           </a:bodyPr>
           <a:p>
-            <a:pPr algn="ctr">
-              <a:lnSpc>
-                <a:spcPct val="100000"/>
-              </a:lnSpc>
-              <a:tabLst>
-                <a:tab algn="l" pos="0"/>
-              </a:tabLst>
-            </a:pPr>
-            <a:fld id="{91129F27-5F2B-46FF-B690-3F5E82D669D3}" type="slidenum">
-              <a:rPr b="0" lang="en" sz="1500" spc="-1" strike="noStrike">
-                <a:solidFill>
-                  <a:srgbClr val="f7d101"/>
-                </a:solidFill>
-                <a:latin typeface="Barlow Condensed SemiBold"/>
-                <a:ea typeface="Barlow Condensed SemiBold"/>
-              </a:rPr>
-              <a:t>4</a:t>
-            </a:fld>
-            <a:endParaRPr b="0" lang="en-US" sz="1500" spc="-1" strike="noStrike">
+            <a:endParaRPr b="0" lang="en-US" sz="3200" spc="-1" strike="noStrike">
+              <a:latin typeface="Arial"/>
+            </a:endParaRPr>
+          </a:p>
+        </p:txBody>
+      </p:sp>
+      <p:sp>
+        <p:nvSpPr>
+          <p:cNvPr id="392" name="TextShape 3"/>
+          <p:cNvSpPr txBox="1"/>
+          <p:nvPr/>
+        </p:nvSpPr>
+        <p:spPr>
+          <a:xfrm>
+            <a:off x="3353040" y="1604520"/>
+            <a:ext cx="2612520" cy="3976920"/>
+          </a:xfrm>
+          <a:prstGeom prst="rect">
+            <a:avLst/>
+          </a:prstGeom>
+          <a:noFill/>
+          <a:ln>
+            <a:noFill/>
+          </a:ln>
+        </p:spPr>
+        <p:txBody>
+          <a:bodyPr lIns="0" rIns="0" tIns="0" bIns="0">
+            <a:normAutofit/>
+          </a:bodyPr>
+          <a:p>
+            <a:endParaRPr b="0" lang="en-US" sz="3200" spc="-1" strike="noStrike">
               <a:latin typeface="Arial"/>
             </a:endParaRPr>
           </a:p>
@@ -30391,14 +32281,14 @@
       </p:grpSpPr>
       <p:sp>
         <p:nvSpPr>
-          <p:cNvPr id="388" name="CustomShape 1"/>
+          <p:cNvPr id="393" name="CustomShape 1"/>
           <p:cNvSpPr/>
           <p:nvPr/>
         </p:nvSpPr>
         <p:spPr>
           <a:xfrm>
-            <a:off x="1389240" y="2689920"/>
-            <a:ext cx="9442440" cy="1121400"/>
+            <a:off x="2285640" y="586440"/>
+            <a:ext cx="7619040" cy="5452920"/>
           </a:xfrm>
           <a:prstGeom prst="rect">
             <a:avLst/>
@@ -30428,16 +32318,26 @@
               </a:tabLst>
             </a:pPr>
             <a:r>
-              <a:rPr b="0" lang="en" sz="10000" spc="-1" strike="noStrike">
+              <a:rPr b="0" lang="en" sz="8500" spc="-1" strike="noStrike">
                 <a:solidFill>
-                  <a:srgbClr val="171717"/>
+                  <a:srgbClr val="000000"/>
                 </a:solidFill>
                 <a:latin typeface="Barlow Condensed SemiBold"/>
                 <a:ea typeface="Barlow Condensed SemiBold"/>
               </a:rPr>
-              <a:t>THANK YOU!</a:t>
-            </a:r>
-            <a:endParaRPr b="0" lang="en-US" sz="10000" spc="-1" strike="noStrike">
+              <a:t>Let's see the project </a:t>
+            </a:r>
+            <a:r>
+              <a:rPr b="0" lang="en" sz="8500" spc="-1" strike="noStrike">
+                <a:solidFill>
+                  <a:srgbClr val="f7d101"/>
+                </a:solidFill>
+                <a:latin typeface="Barlow Condensed SemiBold"/>
+                <a:ea typeface="Barlow Condensed SemiBold"/>
+              </a:rPr>
+              <a:t>PLEASE.</a:t>
+            </a:r>
+            <a:endParaRPr b="0" lang="en-US" sz="8500" spc="-1" strike="noStrike">
               <a:latin typeface="Arial"/>
             </a:endParaRPr>
           </a:p>
@@ -30445,14 +32345,14 @@
       </p:sp>
       <p:sp>
         <p:nvSpPr>
-          <p:cNvPr id="389" name="CustomShape 2"/>
+          <p:cNvPr id="394" name="CustomShape 2"/>
           <p:cNvSpPr/>
           <p:nvPr/>
         </p:nvSpPr>
         <p:spPr>
           <a:xfrm>
             <a:off x="11372760" y="6217560"/>
-            <a:ext cx="730800" cy="523800"/>
+            <a:ext cx="730440" cy="523440"/>
           </a:xfrm>
           <a:prstGeom prst="rect">
             <a:avLst/>
@@ -30481,15 +32381,15 @@
                 <a:tab algn="l" pos="0"/>
               </a:tabLst>
             </a:pPr>
-            <a:fld id="{B1475D68-16B8-4871-B755-5B8DDEF2EA24}" type="slidenum">
+            <a:fld id="{F94685F2-DBDF-4D55-B292-58B5924AEE41}" type="slidenum">
               <a:rPr b="0" lang="en" sz="1500" spc="-1" strike="noStrike">
                 <a:solidFill>
-                  <a:srgbClr val="f7d101"/>
+                  <a:srgbClr val="171717"/>
                 </a:solidFill>
                 <a:latin typeface="Barlow Condensed SemiBold"/>
                 <a:ea typeface="Barlow Condensed SemiBold"/>
               </a:rPr>
-              <a:t>4</a:t>
+              <a:t>6</a:t>
             </a:fld>
             <a:endParaRPr b="0" lang="en-US" sz="1500" spc="-1" strike="noStrike">
               <a:latin typeface="Arial"/>
@@ -30529,199 +32429,14 @@
       </p:grpSpPr>
       <p:sp>
         <p:nvSpPr>
-          <p:cNvPr id="390" name="CustomShape 1"/>
+          <p:cNvPr id="395" name="CustomShape 1"/>
           <p:cNvSpPr/>
           <p:nvPr/>
         </p:nvSpPr>
         <p:spPr>
           <a:xfrm>
-            <a:off x="2073240" y="1812600"/>
-            <a:ext cx="7446960" cy="762480"/>
-          </a:xfrm>
-          <a:prstGeom prst="rect">
-            <a:avLst/>
-          </a:prstGeom>
-          <a:noFill/>
-          <a:ln>
-            <a:noFill/>
-          </a:ln>
-        </p:spPr>
-        <p:style>
-          <a:lnRef idx="0"/>
-          <a:fillRef idx="0"/>
-          <a:effectRef idx="0"/>
-          <a:fontRef idx="minor"/>
-        </p:style>
-        <p:txBody>
-          <a:bodyPr lIns="122040" rIns="122040" tIns="122040" bIns="122040">
-            <a:noAutofit/>
-          </a:bodyPr>
-          <a:p>
-            <a:pPr>
-              <a:lnSpc>
-                <a:spcPct val="100000"/>
-              </a:lnSpc>
-              <a:tabLst>
-                <a:tab algn="l" pos="0"/>
-              </a:tabLst>
-            </a:pPr>
-            <a:r>
-              <a:rPr b="0" lang="en" sz="4000" spc="-1" strike="noStrike">
-                <a:solidFill>
-                  <a:srgbClr val="000000"/>
-                </a:solidFill>
-                <a:latin typeface="Barlow Condensed SemiBold"/>
-                <a:ea typeface="Barlow Condensed SemiBold"/>
-              </a:rPr>
-              <a:t>CREDITS.</a:t>
-            </a:r>
-            <a:endParaRPr b="0" lang="en-US" sz="4000" spc="-1" strike="noStrike">
-              <a:latin typeface="Arial"/>
-            </a:endParaRPr>
-          </a:p>
-        </p:txBody>
-      </p:sp>
-      <p:sp>
-        <p:nvSpPr>
-          <p:cNvPr id="391" name="CustomShape 2"/>
-          <p:cNvSpPr/>
-          <p:nvPr/>
-        </p:nvSpPr>
-        <p:spPr>
-          <a:xfrm>
-            <a:off x="2073240" y="2755800"/>
-            <a:ext cx="7446960" cy="2581920"/>
-          </a:xfrm>
-          <a:prstGeom prst="rect">
-            <a:avLst/>
-          </a:prstGeom>
-          <a:noFill/>
-          <a:ln>
-            <a:noFill/>
-          </a:ln>
-        </p:spPr>
-        <p:style>
-          <a:lnRef idx="0"/>
-          <a:fillRef idx="0"/>
-          <a:effectRef idx="0"/>
-          <a:fontRef idx="minor"/>
-        </p:style>
-        <p:txBody>
-          <a:bodyPr lIns="122040" rIns="122040" tIns="122040" bIns="122040">
-            <a:noAutofit/>
-          </a:bodyPr>
-          <a:p>
-            <a:pPr marL="457200" indent="-367200">
-              <a:lnSpc>
-                <a:spcPct val="150000"/>
-              </a:lnSpc>
-              <a:buClr>
-                <a:srgbClr val="f7d101"/>
-              </a:buClr>
-              <a:buFont typeface="Ubuntu"/>
-              <a:buChar char="●"/>
-            </a:pPr>
-            <a:r>
-              <a:rPr b="0" lang="en" sz="2200" spc="-1" strike="noStrike">
-                <a:solidFill>
-                  <a:srgbClr val="171717"/>
-                </a:solidFill>
-                <a:latin typeface="Ubuntu"/>
-                <a:ea typeface="Ubuntu"/>
-              </a:rPr>
-              <a:t>Kis Lóránd</a:t>
-            </a:r>
-            <a:endParaRPr b="0" lang="en-US" sz="2200" spc="-1" strike="noStrike">
-              <a:latin typeface="Arial"/>
-            </a:endParaRPr>
-          </a:p>
-          <a:p>
-            <a:pPr marL="457200" indent="-367200">
-              <a:lnSpc>
-                <a:spcPct val="150000"/>
-              </a:lnSpc>
-              <a:buClr>
-                <a:srgbClr val="f7d101"/>
-              </a:buClr>
-              <a:buFont typeface="Ubuntu"/>
-              <a:buChar char="●"/>
-            </a:pPr>
-            <a:r>
-              <a:rPr b="0" lang="en" sz="2200" spc="-1" strike="noStrike">
-                <a:solidFill>
-                  <a:srgbClr val="171717"/>
-                </a:solidFill>
-                <a:latin typeface="Ubuntu"/>
-                <a:ea typeface="Ubuntu"/>
-              </a:rPr>
-              <a:t>Szabó Imre</a:t>
-            </a:r>
-            <a:endParaRPr b="0" lang="en-US" sz="2200" spc="-1" strike="noStrike">
-              <a:latin typeface="Arial"/>
-            </a:endParaRPr>
-          </a:p>
-          <a:p>
-            <a:pPr marL="457200" indent="-367200">
-              <a:lnSpc>
-                <a:spcPct val="150000"/>
-              </a:lnSpc>
-              <a:buClr>
-                <a:srgbClr val="f7d101"/>
-              </a:buClr>
-              <a:buFont typeface="Ubuntu"/>
-              <a:buChar char="●"/>
-            </a:pPr>
-            <a:r>
-              <a:rPr b="0" lang="en" sz="2200" spc="-1" strike="noStrike">
-                <a:solidFill>
-                  <a:srgbClr val="171717"/>
-                </a:solidFill>
-                <a:latin typeface="Ubuntu"/>
-                <a:ea typeface="Ubuntu"/>
-              </a:rPr>
-              <a:t>Cser Dániel</a:t>
-            </a:r>
-            <a:endParaRPr b="0" lang="en-US" sz="2200" spc="-1" strike="noStrike">
-              <a:latin typeface="Arial"/>
-            </a:endParaRPr>
-          </a:p>
-          <a:p>
-            <a:pPr marL="457200" indent="-367200">
-              <a:lnSpc>
-                <a:spcPct val="150000"/>
-              </a:lnSpc>
-              <a:buClr>
-                <a:srgbClr val="f7d101"/>
-              </a:buClr>
-              <a:buFont typeface="Ubuntu"/>
-              <a:buChar char="●"/>
-            </a:pPr>
-            <a:r>
-              <a:rPr b="0" lang="en" sz="2200" spc="-1" strike="noStrike">
-                <a:solidFill>
-                  <a:srgbClr val="171717"/>
-                </a:solidFill>
-                <a:latin typeface="Ubuntu"/>
-                <a:ea typeface="Ubuntu"/>
-              </a:rPr>
-              <a:t>Nyitrai Balázs</a:t>
-            </a:r>
-            <a:endParaRPr b="0" lang="en-US" sz="2200" spc="-1" strike="noStrike">
-              <a:latin typeface="Arial"/>
-            </a:endParaRPr>
-          </a:p>
-        </p:txBody>
-      </p:sp>
-      <p:sp>
-        <p:nvSpPr>
-          <p:cNvPr id="392" name="CustomShape 3"/>
-          <p:cNvSpPr/>
-          <p:nvPr/>
-        </p:nvSpPr>
-        <p:spPr>
-          <a:xfrm>
-            <a:off x="11372760" y="6217560"/>
-            <a:ext cx="730800" cy="523800"/>
+            <a:off x="1465560" y="2842560"/>
+            <a:ext cx="9442080" cy="1121040"/>
           </a:xfrm>
           <a:prstGeom prst="rect">
             <a:avLst/>
@@ -30750,15 +32465,217 @@
                 <a:tab algn="l" pos="0"/>
               </a:tabLst>
             </a:pPr>
-            <a:fld id="{4EF10651-6CE3-4823-9701-8C6DF9940000}" type="slidenum">
+            <a:r>
+              <a:rPr b="0" lang="en" sz="10000" spc="-1" strike="noStrike">
+                <a:solidFill>
+                  <a:srgbClr val="000000"/>
+                </a:solidFill>
+                <a:latin typeface="Barlow Condensed SemiBold"/>
+                <a:ea typeface="Barlow Condensed SemiBold"/>
+              </a:rPr>
+              <a:t>GREAT </a:t>
+            </a:r>
+            <a:r>
+              <a:rPr b="0" lang="en" sz="10000" spc="-1" strike="noStrike">
+                <a:solidFill>
+                  <a:srgbClr val="f7f7f7"/>
+                </a:solidFill>
+                <a:latin typeface="Barlow Condensed SemiBold"/>
+                <a:ea typeface="Barlow Condensed SemiBold"/>
+              </a:rPr>
+              <a:t>IDEA!</a:t>
+            </a:r>
+            <a:endParaRPr b="0" lang="en-US" sz="10000" spc="-1" strike="noStrike">
+              <a:latin typeface="Arial"/>
+            </a:endParaRPr>
+          </a:p>
+        </p:txBody>
+      </p:sp>
+      <p:sp>
+        <p:nvSpPr>
+          <p:cNvPr id="396" name="CustomShape 2"/>
+          <p:cNvSpPr/>
+          <p:nvPr/>
+        </p:nvSpPr>
+        <p:spPr>
+          <a:xfrm>
+            <a:off x="11372760" y="6217560"/>
+            <a:ext cx="730440" cy="523440"/>
+          </a:xfrm>
+          <a:prstGeom prst="rect">
+            <a:avLst/>
+          </a:prstGeom>
+          <a:noFill/>
+          <a:ln>
+            <a:noFill/>
+          </a:ln>
+        </p:spPr>
+        <p:style>
+          <a:lnRef idx="0"/>
+          <a:fillRef idx="0"/>
+          <a:effectRef idx="0"/>
+          <a:fontRef idx="minor"/>
+        </p:style>
+        <p:txBody>
+          <a:bodyPr lIns="122040" rIns="122040" tIns="122040" bIns="122040" anchor="ctr">
+            <a:noAutofit/>
+          </a:bodyPr>
+          <a:p>
+            <a:pPr algn="ctr">
+              <a:lnSpc>
+                <a:spcPct val="100000"/>
+              </a:lnSpc>
+              <a:tabLst>
+                <a:tab algn="l" pos="0"/>
+              </a:tabLst>
+            </a:pPr>
+            <a:fld id="{B8B751B8-CAC0-4AFA-B717-93B95C1DC3CB}" type="slidenum">
               <a:rPr b="0" lang="en" sz="1500" spc="-1" strike="noStrike">
+                <a:solidFill>
+                  <a:srgbClr val="f7d101"/>
+                </a:solidFill>
+                <a:latin typeface="Barlow Condensed SemiBold"/>
+                <a:ea typeface="Barlow Condensed SemiBold"/>
+              </a:rPr>
+              <a:t>6</a:t>
+            </a:fld>
+            <a:endParaRPr b="0" lang="en-US" sz="1500" spc="-1" strike="noStrike">
+              <a:latin typeface="Arial"/>
+            </a:endParaRPr>
+          </a:p>
+        </p:txBody>
+      </p:sp>
+    </p:spTree>
+  </p:cSld>
+  <mc:AlternateContent>
+    <mc:Choice Requires="p14">
+      <p:transition spd="slow" p14:dur="2000"/>
+    </mc:Choice>
+    <mc:Fallback>
+      <p:transition spd="slow"/>
+    </mc:Fallback>
+  </mc:AlternateContent>
+</p:sld>
+</file>
+
+<file path=ppt/slides/slide9.xml><?xml version="1.0" encoding="utf-8"?>
+<p:sld xmlns:a="http://schemas.openxmlformats.org/drawingml/2006/main" xmlns:p="http://schemas.openxmlformats.org/presentationml/2006/main" xmlns:r="http://schemas.openxmlformats.org/officeDocument/2006/relationships" xmlns:p14="http://schemas.microsoft.com/office/powerpoint/2010/main" xmlns:p15="http://schemas.microsoft.com/office/powerpoint/2012/main" xmlns:mc="http://schemas.openxmlformats.org/markup-compatibility/2006">
+  <p:cSld>
+    <p:spTree>
+      <p:nvGrpSpPr>
+        <p:cNvPr id="1" name=""/>
+        <p:cNvGrpSpPr/>
+        <p:nvPr/>
+      </p:nvGrpSpPr>
+      <p:grpSpPr>
+        <a:xfrm>
+          <a:off x="0" y="0"/>
+          <a:ext cx="0" cy="0"/>
+          <a:chOff x="0" y="0"/>
+          <a:chExt cx="0" cy="0"/>
+        </a:xfrm>
+      </p:grpSpPr>
+      <p:sp>
+        <p:nvSpPr>
+          <p:cNvPr id="397" name="CustomShape 1"/>
+          <p:cNvSpPr/>
+          <p:nvPr/>
+        </p:nvSpPr>
+        <p:spPr>
+          <a:xfrm>
+            <a:off x="1389240" y="2689920"/>
+            <a:ext cx="9442080" cy="1121040"/>
+          </a:xfrm>
+          <a:prstGeom prst="rect">
+            <a:avLst/>
+          </a:prstGeom>
+          <a:noFill/>
+          <a:ln>
+            <a:noFill/>
+          </a:ln>
+        </p:spPr>
+        <p:style>
+          <a:lnRef idx="0"/>
+          <a:fillRef idx="0"/>
+          <a:effectRef idx="0"/>
+          <a:fontRef idx="minor"/>
+        </p:style>
+        <p:txBody>
+          <a:bodyPr lIns="122040" rIns="122040" tIns="122040" bIns="122040" anchor="ctr">
+            <a:noAutofit/>
+          </a:bodyPr>
+          <a:p>
+            <a:pPr algn="ctr">
+              <a:lnSpc>
+                <a:spcPct val="100000"/>
+              </a:lnSpc>
+              <a:tabLst>
+                <a:tab algn="l" pos="0"/>
+              </a:tabLst>
+            </a:pPr>
+            <a:r>
+              <a:rPr b="0" lang="en" sz="10000" spc="-1" strike="noStrike">
                 <a:solidFill>
                   <a:srgbClr val="171717"/>
                 </a:solidFill>
                 <a:latin typeface="Barlow Condensed SemiBold"/>
                 <a:ea typeface="Barlow Condensed SemiBold"/>
               </a:rPr>
-              <a:t>4</a:t>
+              <a:t>THANK YOU!</a:t>
+            </a:r>
+            <a:endParaRPr b="0" lang="en-US" sz="10000" spc="-1" strike="noStrike">
+              <a:latin typeface="Arial"/>
+            </a:endParaRPr>
+          </a:p>
+        </p:txBody>
+      </p:sp>
+      <p:sp>
+        <p:nvSpPr>
+          <p:cNvPr id="398" name="CustomShape 2"/>
+          <p:cNvSpPr/>
+          <p:nvPr/>
+        </p:nvSpPr>
+        <p:spPr>
+          <a:xfrm>
+            <a:off x="11372760" y="6217560"/>
+            <a:ext cx="730440" cy="523440"/>
+          </a:xfrm>
+          <a:prstGeom prst="rect">
+            <a:avLst/>
+          </a:prstGeom>
+          <a:noFill/>
+          <a:ln>
+            <a:noFill/>
+          </a:ln>
+        </p:spPr>
+        <p:style>
+          <a:lnRef idx="0"/>
+          <a:fillRef idx="0"/>
+          <a:effectRef idx="0"/>
+          <a:fontRef idx="minor"/>
+        </p:style>
+        <p:txBody>
+          <a:bodyPr lIns="122040" rIns="122040" tIns="122040" bIns="122040" anchor="ctr">
+            <a:noAutofit/>
+          </a:bodyPr>
+          <a:p>
+            <a:pPr algn="ctr">
+              <a:lnSpc>
+                <a:spcPct val="100000"/>
+              </a:lnSpc>
+              <a:tabLst>
+                <a:tab algn="l" pos="0"/>
+              </a:tabLst>
+            </a:pPr>
+            <a:fld id="{9A835F1A-971A-4159-8D83-A9C0892C97FC}" type="slidenum">
+              <a:rPr b="0" lang="en" sz="1500" spc="-1" strike="noStrike">
+                <a:solidFill>
+                  <a:srgbClr val="f7d101"/>
+                </a:solidFill>
+                <a:latin typeface="Barlow Condensed SemiBold"/>
+                <a:ea typeface="Barlow Condensed SemiBold"/>
+              </a:rPr>
+              <a:t>6</a:t>
             </a:fld>
             <a:endParaRPr b="0" lang="en-US" sz="1500" spc="-1" strike="noStrike">
               <a:latin typeface="Arial"/>
